--- a/script/diagrams/diagrams.pptx
+++ b/script/diagrams/diagrams.pptx
@@ -7,6 +7,11 @@
   <p:sldIdLst>
     <p:sldId id="256" r:id="rId2"/>
     <p:sldId id="257" r:id="rId3"/>
+    <p:sldId id="258" r:id="rId4"/>
+    <p:sldId id="259" r:id="rId5"/>
+    <p:sldId id="260" r:id="rId6"/>
+    <p:sldId id="261" r:id="rId7"/>
+    <p:sldId id="262" r:id="rId8"/>
   </p:sldIdLst>
   <p:sldSz cx="9144000" cy="6858000" type="screen4x3"/>
   <p:notesSz cx="6858000" cy="9144000"/>
@@ -4181,6 +4186,2942 @@
     <p:extLst>
       <p:ext uri="{BB962C8B-B14F-4D97-AF65-F5344CB8AC3E}">
         <p14:creationId xmlns:p14="http://schemas.microsoft.com/office/powerpoint/2010/main" val="3817507517"/>
+      </p:ext>
+    </p:extLst>
+  </p:cSld>
+  <p:clrMapOvr>
+    <a:masterClrMapping/>
+  </p:clrMapOvr>
+</p:sld>
+</file>
+
+<file path=ppt/slides/slide3.xml><?xml version="1.0" encoding="utf-8"?>
+<p:sld xmlns:a="http://schemas.openxmlformats.org/drawingml/2006/main" xmlns:r="http://schemas.openxmlformats.org/officeDocument/2006/relationships" xmlns:p="http://schemas.openxmlformats.org/presentationml/2006/main">
+  <p:cSld>
+    <p:spTree>
+      <p:nvGrpSpPr>
+        <p:cNvPr id="1" name=""/>
+        <p:cNvGrpSpPr/>
+        <p:nvPr/>
+      </p:nvGrpSpPr>
+      <p:grpSpPr>
+        <a:xfrm>
+          <a:off x="0" y="0"/>
+          <a:ext cx="0" cy="0"/>
+          <a:chOff x="0" y="0"/>
+          <a:chExt cx="0" cy="0"/>
+        </a:xfrm>
+      </p:grpSpPr>
+      <p:sp>
+        <p:nvSpPr>
+          <p:cNvPr id="2" name="Rechteck 1"/>
+          <p:cNvSpPr/>
+          <p:nvPr/>
+        </p:nvSpPr>
+        <p:spPr>
+          <a:xfrm>
+            <a:off x="303299" y="265364"/>
+            <a:ext cx="464427" cy="1374206"/>
+          </a:xfrm>
+          <a:prstGeom prst="rect">
+            <a:avLst/>
+          </a:prstGeom>
+        </p:spPr>
+        <p:style>
+          <a:lnRef idx="2">
+            <a:schemeClr val="accent1"/>
+          </a:lnRef>
+          <a:fillRef idx="1">
+            <a:schemeClr val="lt1"/>
+          </a:fillRef>
+          <a:effectRef idx="0">
+            <a:schemeClr val="accent1"/>
+          </a:effectRef>
+          <a:fontRef idx="minor">
+            <a:schemeClr val="dk1"/>
+          </a:fontRef>
+        </p:style>
+        <p:txBody>
+          <a:bodyPr rtlCol="0" anchor="ctr"/>
+          <a:lstStyle/>
+          <a:p>
+            <a:pPr algn="ctr"/>
+            <a:endParaRPr lang="de-DE"/>
+          </a:p>
+        </p:txBody>
+      </p:sp>
+      <p:sp>
+        <p:nvSpPr>
+          <p:cNvPr id="19" name="Rechteck 18"/>
+          <p:cNvSpPr/>
+          <p:nvPr/>
+        </p:nvSpPr>
+        <p:spPr>
+          <a:xfrm>
+            <a:off x="304051" y="275609"/>
+            <a:ext cx="464427" cy="150869"/>
+          </a:xfrm>
+          <a:prstGeom prst="rect">
+            <a:avLst/>
+          </a:prstGeom>
+        </p:spPr>
+        <p:style>
+          <a:lnRef idx="2">
+            <a:schemeClr val="accent1"/>
+          </a:lnRef>
+          <a:fillRef idx="1">
+            <a:schemeClr val="lt1"/>
+          </a:fillRef>
+          <a:effectRef idx="0">
+            <a:schemeClr val="accent1"/>
+          </a:effectRef>
+          <a:fontRef idx="minor">
+            <a:schemeClr val="dk1"/>
+          </a:fontRef>
+        </p:style>
+        <p:txBody>
+          <a:bodyPr rtlCol="0" anchor="ctr"/>
+          <a:lstStyle/>
+          <a:p>
+            <a:pPr algn="ctr"/>
+            <a:endParaRPr lang="de-DE"/>
+          </a:p>
+        </p:txBody>
+      </p:sp>
+      <p:sp>
+        <p:nvSpPr>
+          <p:cNvPr id="21" name="Rechteck 20"/>
+          <p:cNvSpPr/>
+          <p:nvPr/>
+        </p:nvSpPr>
+        <p:spPr>
+          <a:xfrm>
+            <a:off x="303299" y="1488701"/>
+            <a:ext cx="464427" cy="150869"/>
+          </a:xfrm>
+          <a:prstGeom prst="rect">
+            <a:avLst/>
+          </a:prstGeom>
+        </p:spPr>
+        <p:style>
+          <a:lnRef idx="2">
+            <a:schemeClr val="accent1"/>
+          </a:lnRef>
+          <a:fillRef idx="1">
+            <a:schemeClr val="lt1"/>
+          </a:fillRef>
+          <a:effectRef idx="0">
+            <a:schemeClr val="accent1"/>
+          </a:effectRef>
+          <a:fontRef idx="minor">
+            <a:schemeClr val="dk1"/>
+          </a:fontRef>
+        </p:style>
+        <p:txBody>
+          <a:bodyPr rtlCol="0" anchor="ctr"/>
+          <a:lstStyle/>
+          <a:p>
+            <a:pPr algn="ctr"/>
+            <a:endParaRPr lang="de-DE"/>
+          </a:p>
+        </p:txBody>
+      </p:sp>
+      <p:sp>
+        <p:nvSpPr>
+          <p:cNvPr id="22" name="Rechteck 21"/>
+          <p:cNvSpPr/>
+          <p:nvPr/>
+        </p:nvSpPr>
+        <p:spPr>
+          <a:xfrm>
+            <a:off x="986473" y="265364"/>
+            <a:ext cx="464427" cy="150869"/>
+          </a:xfrm>
+          <a:prstGeom prst="rect">
+            <a:avLst/>
+          </a:prstGeom>
+        </p:spPr>
+        <p:style>
+          <a:lnRef idx="2">
+            <a:schemeClr val="accent1"/>
+          </a:lnRef>
+          <a:fillRef idx="1">
+            <a:schemeClr val="lt1"/>
+          </a:fillRef>
+          <a:effectRef idx="0">
+            <a:schemeClr val="accent1"/>
+          </a:effectRef>
+          <a:fontRef idx="minor">
+            <a:schemeClr val="dk1"/>
+          </a:fontRef>
+        </p:style>
+        <p:txBody>
+          <a:bodyPr rtlCol="0" anchor="ctr"/>
+          <a:lstStyle/>
+          <a:p>
+            <a:pPr algn="ctr"/>
+            <a:endParaRPr lang="de-DE"/>
+          </a:p>
+        </p:txBody>
+      </p:sp>
+      <p:sp>
+        <p:nvSpPr>
+          <p:cNvPr id="23" name="Rechteck 22"/>
+          <p:cNvSpPr/>
+          <p:nvPr/>
+        </p:nvSpPr>
+        <p:spPr>
+          <a:xfrm>
+            <a:off x="1270066" y="265363"/>
+            <a:ext cx="180086" cy="151637"/>
+          </a:xfrm>
+          <a:prstGeom prst="rect">
+            <a:avLst/>
+          </a:prstGeom>
+        </p:spPr>
+        <p:style>
+          <a:lnRef idx="2">
+            <a:schemeClr val="accent1"/>
+          </a:lnRef>
+          <a:fillRef idx="1">
+            <a:schemeClr val="lt1"/>
+          </a:fillRef>
+          <a:effectRef idx="0">
+            <a:schemeClr val="accent1"/>
+          </a:effectRef>
+          <a:fontRef idx="minor">
+            <a:schemeClr val="dk1"/>
+          </a:fontRef>
+        </p:style>
+        <p:txBody>
+          <a:bodyPr rtlCol="0" anchor="ctr"/>
+          <a:lstStyle/>
+          <a:p>
+            <a:pPr algn="ctr"/>
+            <a:endParaRPr lang="de-DE"/>
+          </a:p>
+        </p:txBody>
+      </p:sp>
+      <p:sp>
+        <p:nvSpPr>
+          <p:cNvPr id="24" name="Rechteck 23"/>
+          <p:cNvSpPr/>
+          <p:nvPr/>
+        </p:nvSpPr>
+        <p:spPr>
+          <a:xfrm>
+            <a:off x="1622256" y="266127"/>
+            <a:ext cx="464427" cy="150869"/>
+          </a:xfrm>
+          <a:prstGeom prst="rect">
+            <a:avLst/>
+          </a:prstGeom>
+        </p:spPr>
+        <p:style>
+          <a:lnRef idx="2">
+            <a:schemeClr val="accent1"/>
+          </a:lnRef>
+          <a:fillRef idx="1">
+            <a:schemeClr val="lt1"/>
+          </a:fillRef>
+          <a:effectRef idx="0">
+            <a:schemeClr val="accent1"/>
+          </a:effectRef>
+          <a:fontRef idx="minor">
+            <a:schemeClr val="dk1"/>
+          </a:fontRef>
+        </p:style>
+        <p:txBody>
+          <a:bodyPr rtlCol="0" anchor="ctr"/>
+          <a:lstStyle/>
+          <a:p>
+            <a:pPr algn="ctr"/>
+            <a:endParaRPr lang="de-DE"/>
+          </a:p>
+        </p:txBody>
+      </p:sp>
+      <p:sp>
+        <p:nvSpPr>
+          <p:cNvPr id="26" name="Rechteck 25"/>
+          <p:cNvSpPr/>
+          <p:nvPr/>
+        </p:nvSpPr>
+        <p:spPr>
+          <a:xfrm>
+            <a:off x="1905849" y="266126"/>
+            <a:ext cx="180086" cy="151637"/>
+          </a:xfrm>
+          <a:prstGeom prst="rect">
+            <a:avLst/>
+          </a:prstGeom>
+        </p:spPr>
+        <p:style>
+          <a:lnRef idx="2">
+            <a:schemeClr val="accent1"/>
+          </a:lnRef>
+          <a:fillRef idx="1">
+            <a:schemeClr val="lt1"/>
+          </a:fillRef>
+          <a:effectRef idx="0">
+            <a:schemeClr val="accent1"/>
+          </a:effectRef>
+          <a:fontRef idx="minor">
+            <a:schemeClr val="dk1"/>
+          </a:fontRef>
+        </p:style>
+        <p:txBody>
+          <a:bodyPr rtlCol="0" anchor="ctr"/>
+          <a:lstStyle/>
+          <a:p>
+            <a:pPr algn="ctr"/>
+            <a:endParaRPr lang="de-DE"/>
+          </a:p>
+        </p:txBody>
+      </p:sp>
+      <p:sp>
+        <p:nvSpPr>
+          <p:cNvPr id="27" name="Rechteck 26"/>
+          <p:cNvSpPr/>
+          <p:nvPr/>
+        </p:nvSpPr>
+        <p:spPr>
+          <a:xfrm>
+            <a:off x="2276246" y="275610"/>
+            <a:ext cx="464427" cy="150869"/>
+          </a:xfrm>
+          <a:prstGeom prst="rect">
+            <a:avLst/>
+          </a:prstGeom>
+        </p:spPr>
+        <p:style>
+          <a:lnRef idx="2">
+            <a:schemeClr val="accent1"/>
+          </a:lnRef>
+          <a:fillRef idx="1">
+            <a:schemeClr val="lt1"/>
+          </a:fillRef>
+          <a:effectRef idx="0">
+            <a:schemeClr val="accent1"/>
+          </a:effectRef>
+          <a:fontRef idx="minor">
+            <a:schemeClr val="dk1"/>
+          </a:fontRef>
+        </p:style>
+        <p:txBody>
+          <a:bodyPr rtlCol="0" anchor="ctr"/>
+          <a:lstStyle/>
+          <a:p>
+            <a:pPr algn="ctr"/>
+            <a:endParaRPr lang="de-DE"/>
+          </a:p>
+        </p:txBody>
+      </p:sp>
+      <p:sp>
+        <p:nvSpPr>
+          <p:cNvPr id="37" name="Rechteck 36"/>
+          <p:cNvSpPr/>
+          <p:nvPr/>
+        </p:nvSpPr>
+        <p:spPr>
+          <a:xfrm>
+            <a:off x="2559839" y="275609"/>
+            <a:ext cx="180086" cy="151637"/>
+          </a:xfrm>
+          <a:prstGeom prst="rect">
+            <a:avLst/>
+          </a:prstGeom>
+        </p:spPr>
+        <p:style>
+          <a:lnRef idx="2">
+            <a:schemeClr val="accent1"/>
+          </a:lnRef>
+          <a:fillRef idx="1">
+            <a:schemeClr val="lt1"/>
+          </a:fillRef>
+          <a:effectRef idx="0">
+            <a:schemeClr val="accent1"/>
+          </a:effectRef>
+          <a:fontRef idx="minor">
+            <a:schemeClr val="dk1"/>
+          </a:fontRef>
+        </p:style>
+        <p:txBody>
+          <a:bodyPr rtlCol="0" anchor="ctr"/>
+          <a:lstStyle/>
+          <a:p>
+            <a:pPr algn="ctr"/>
+            <a:endParaRPr lang="de-DE"/>
+          </a:p>
+        </p:txBody>
+      </p:sp>
+      <p:cxnSp>
+        <p:nvCxnSpPr>
+          <p:cNvPr id="5" name="Gerade Verbindung mit Pfeil 4"/>
+          <p:cNvCxnSpPr/>
+          <p:nvPr/>
+        </p:nvCxnSpPr>
+        <p:spPr>
+          <a:xfrm>
+            <a:off x="672950" y="350291"/>
+            <a:ext cx="318265" cy="1"/>
+          </a:xfrm>
+          <a:prstGeom prst="straightConnector1">
+            <a:avLst/>
+          </a:prstGeom>
+          <a:ln>
+            <a:tailEnd type="arrow"/>
+          </a:ln>
+        </p:spPr>
+        <p:style>
+          <a:lnRef idx="2">
+            <a:schemeClr val="accent1"/>
+          </a:lnRef>
+          <a:fillRef idx="0">
+            <a:schemeClr val="accent1"/>
+          </a:fillRef>
+          <a:effectRef idx="1">
+            <a:schemeClr val="accent1"/>
+          </a:effectRef>
+          <a:fontRef idx="minor">
+            <a:schemeClr val="tx1"/>
+          </a:fontRef>
+        </p:style>
+      </p:cxnSp>
+      <p:cxnSp>
+        <p:nvCxnSpPr>
+          <p:cNvPr id="38" name="Gerade Verbindung mit Pfeil 37"/>
+          <p:cNvCxnSpPr/>
+          <p:nvPr/>
+        </p:nvCxnSpPr>
+        <p:spPr>
+          <a:xfrm>
+            <a:off x="1374325" y="351059"/>
+            <a:ext cx="243190" cy="1"/>
+          </a:xfrm>
+          <a:prstGeom prst="straightConnector1">
+            <a:avLst/>
+          </a:prstGeom>
+          <a:ln>
+            <a:tailEnd type="arrow"/>
+          </a:ln>
+        </p:spPr>
+        <p:style>
+          <a:lnRef idx="2">
+            <a:schemeClr val="accent1"/>
+          </a:lnRef>
+          <a:fillRef idx="0">
+            <a:schemeClr val="accent1"/>
+          </a:fillRef>
+          <a:effectRef idx="1">
+            <a:schemeClr val="accent1"/>
+          </a:effectRef>
+          <a:fontRef idx="minor">
+            <a:schemeClr val="tx1"/>
+          </a:fontRef>
+        </p:style>
+      </p:cxnSp>
+      <p:cxnSp>
+        <p:nvCxnSpPr>
+          <p:cNvPr id="39" name="Gerade Verbindung mit Pfeil 38"/>
+          <p:cNvCxnSpPr/>
+          <p:nvPr/>
+        </p:nvCxnSpPr>
+        <p:spPr>
+          <a:xfrm>
+            <a:off x="2010103" y="361304"/>
+            <a:ext cx="243190" cy="1"/>
+          </a:xfrm>
+          <a:prstGeom prst="straightConnector1">
+            <a:avLst/>
+          </a:prstGeom>
+          <a:ln>
+            <a:tailEnd type="arrow"/>
+          </a:ln>
+        </p:spPr>
+        <p:style>
+          <a:lnRef idx="2">
+            <a:schemeClr val="accent1"/>
+          </a:lnRef>
+          <a:fillRef idx="0">
+            <a:schemeClr val="accent1"/>
+          </a:fillRef>
+          <a:effectRef idx="1">
+            <a:schemeClr val="accent1"/>
+          </a:effectRef>
+          <a:fontRef idx="minor">
+            <a:schemeClr val="tx1"/>
+          </a:fontRef>
+        </p:style>
+      </p:cxnSp>
+      <p:sp>
+        <p:nvSpPr>
+          <p:cNvPr id="16" name="Textfeld 15"/>
+          <p:cNvSpPr txBox="1"/>
+          <p:nvPr/>
+        </p:nvSpPr>
+        <p:spPr>
+          <a:xfrm>
+            <a:off x="94782" y="202314"/>
+            <a:ext cx="262662" cy="276999"/>
+          </a:xfrm>
+          <a:prstGeom prst="rect">
+            <a:avLst/>
+          </a:prstGeom>
+          <a:noFill/>
+        </p:spPr>
+        <p:txBody>
+          <a:bodyPr wrap="none" rtlCol="0">
+            <a:spAutoFit/>
+          </a:bodyPr>
+          <a:lstStyle/>
+          <a:p>
+            <a:r>
+              <a:rPr lang="de-DE" sz="1200" dirty="0" smtClean="0"/>
+              <a:t>1</a:t>
+            </a:r>
+            <a:endParaRPr lang="de-DE" sz="1200" dirty="0"/>
+          </a:p>
+        </p:txBody>
+      </p:sp>
+      <p:sp>
+        <p:nvSpPr>
+          <p:cNvPr id="40" name="Textfeld 39"/>
+          <p:cNvSpPr txBox="1"/>
+          <p:nvPr/>
+        </p:nvSpPr>
+        <p:spPr>
+          <a:xfrm>
+            <a:off x="79301" y="1409620"/>
+            <a:ext cx="265517" cy="276999"/>
+          </a:xfrm>
+          <a:prstGeom prst="rect">
+            <a:avLst/>
+          </a:prstGeom>
+          <a:noFill/>
+        </p:spPr>
+        <p:txBody>
+          <a:bodyPr wrap="none" rtlCol="0">
+            <a:spAutoFit/>
+          </a:bodyPr>
+          <a:lstStyle/>
+          <a:p>
+            <a:r>
+              <a:rPr lang="de-DE" sz="1200" dirty="0" err="1" smtClean="0"/>
+              <a:t>n</a:t>
+            </a:r>
+            <a:endParaRPr lang="de-DE" sz="1200" dirty="0"/>
+          </a:p>
+        </p:txBody>
+      </p:sp>
+      <p:sp>
+        <p:nvSpPr>
+          <p:cNvPr id="41" name="Textfeld 40"/>
+          <p:cNvSpPr txBox="1"/>
+          <p:nvPr/>
+        </p:nvSpPr>
+        <p:spPr>
+          <a:xfrm>
+            <a:off x="414312" y="526698"/>
+            <a:ext cx="223514" cy="830997"/>
+          </a:xfrm>
+          <a:prstGeom prst="rect">
+            <a:avLst/>
+          </a:prstGeom>
+          <a:noFill/>
+        </p:spPr>
+        <p:txBody>
+          <a:bodyPr wrap="none" rtlCol="0">
+            <a:spAutoFit/>
+          </a:bodyPr>
+          <a:lstStyle/>
+          <a:p>
+            <a:r>
+              <a:rPr lang="de-DE" sz="1200" dirty="0" smtClean="0"/>
+              <a:t>.</a:t>
+            </a:r>
+          </a:p>
+          <a:p>
+            <a:r>
+              <a:rPr lang="de-DE" sz="1200" dirty="0" smtClean="0"/>
+              <a:t>.</a:t>
+            </a:r>
+          </a:p>
+          <a:p>
+            <a:r>
+              <a:rPr lang="de-DE" sz="1200" dirty="0" smtClean="0"/>
+              <a:t>.</a:t>
+            </a:r>
+          </a:p>
+          <a:p>
+            <a:endParaRPr lang="de-DE" sz="1200" dirty="0"/>
+          </a:p>
+        </p:txBody>
+      </p:sp>
+      <p:sp>
+        <p:nvSpPr>
+          <p:cNvPr id="42" name="Textfeld 41"/>
+          <p:cNvSpPr txBox="1"/>
+          <p:nvPr/>
+        </p:nvSpPr>
+        <p:spPr>
+          <a:xfrm>
+            <a:off x="976485" y="169201"/>
+            <a:ext cx="313232" cy="276999"/>
+          </a:xfrm>
+          <a:prstGeom prst="rect">
+            <a:avLst/>
+          </a:prstGeom>
+          <a:noFill/>
+        </p:spPr>
+        <p:txBody>
+          <a:bodyPr wrap="none" rtlCol="0">
+            <a:spAutoFit/>
+          </a:bodyPr>
+          <a:lstStyle/>
+          <a:p>
+            <a:r>
+              <a:rPr lang="de-DE" sz="1200" dirty="0" smtClean="0"/>
+              <a:t>e</a:t>
+            </a:r>
+            <a:r>
+              <a:rPr lang="de-DE" sz="1200" baseline="-25000" dirty="0" smtClean="0"/>
+              <a:t>1</a:t>
+            </a:r>
+            <a:endParaRPr lang="de-DE" sz="1200" baseline="-25000" dirty="0"/>
+          </a:p>
+        </p:txBody>
+      </p:sp>
+      <p:sp>
+        <p:nvSpPr>
+          <p:cNvPr id="43" name="Textfeld 42"/>
+          <p:cNvSpPr txBox="1"/>
+          <p:nvPr/>
+        </p:nvSpPr>
+        <p:spPr>
+          <a:xfrm>
+            <a:off x="1631219" y="169969"/>
+            <a:ext cx="313232" cy="276999"/>
+          </a:xfrm>
+          <a:prstGeom prst="rect">
+            <a:avLst/>
+          </a:prstGeom>
+          <a:noFill/>
+        </p:spPr>
+        <p:txBody>
+          <a:bodyPr wrap="none" rtlCol="0">
+            <a:spAutoFit/>
+          </a:bodyPr>
+          <a:lstStyle/>
+          <a:p>
+            <a:r>
+              <a:rPr lang="de-DE" sz="1200" dirty="0" smtClean="0"/>
+              <a:t>e</a:t>
+            </a:r>
+            <a:r>
+              <a:rPr lang="de-DE" sz="1200" baseline="-25000" dirty="0" smtClean="0"/>
+              <a:t>2</a:t>
+            </a:r>
+            <a:endParaRPr lang="de-DE" sz="1200" baseline="-25000" dirty="0"/>
+          </a:p>
+        </p:txBody>
+      </p:sp>
+      <p:sp>
+        <p:nvSpPr>
+          <p:cNvPr id="44" name="Textfeld 43"/>
+          <p:cNvSpPr txBox="1"/>
+          <p:nvPr/>
+        </p:nvSpPr>
+        <p:spPr>
+          <a:xfrm>
+            <a:off x="2295952" y="180977"/>
+            <a:ext cx="313232" cy="276999"/>
+          </a:xfrm>
+          <a:prstGeom prst="rect">
+            <a:avLst/>
+          </a:prstGeom>
+          <a:noFill/>
+        </p:spPr>
+        <p:txBody>
+          <a:bodyPr wrap="none" rtlCol="0">
+            <a:spAutoFit/>
+          </a:bodyPr>
+          <a:lstStyle/>
+          <a:p>
+            <a:r>
+              <a:rPr lang="de-DE" sz="1200" dirty="0" smtClean="0"/>
+              <a:t>e</a:t>
+            </a:r>
+            <a:r>
+              <a:rPr lang="de-DE" sz="1200" baseline="-25000" dirty="0"/>
+              <a:t>3</a:t>
+            </a:r>
+          </a:p>
+        </p:txBody>
+      </p:sp>
+    </p:spTree>
+    <p:extLst>
+      <p:ext uri="{BB962C8B-B14F-4D97-AF65-F5344CB8AC3E}">
+        <p14:creationId xmlns:p14="http://schemas.microsoft.com/office/powerpoint/2010/main" val="3014612325"/>
+      </p:ext>
+    </p:extLst>
+  </p:cSld>
+  <p:clrMapOvr>
+    <a:masterClrMapping/>
+  </p:clrMapOvr>
+</p:sld>
+</file>
+
+<file path=ppt/slides/slide4.xml><?xml version="1.0" encoding="utf-8"?>
+<p:sld xmlns:a="http://schemas.openxmlformats.org/drawingml/2006/main" xmlns:r="http://schemas.openxmlformats.org/officeDocument/2006/relationships" xmlns:p="http://schemas.openxmlformats.org/presentationml/2006/main">
+  <p:cSld>
+    <p:spTree>
+      <p:nvGrpSpPr>
+        <p:cNvPr id="1" name=""/>
+        <p:cNvGrpSpPr/>
+        <p:nvPr/>
+      </p:nvGrpSpPr>
+      <p:grpSpPr>
+        <a:xfrm>
+          <a:off x="0" y="0"/>
+          <a:ext cx="0" cy="0"/>
+          <a:chOff x="0" y="0"/>
+          <a:chExt cx="0" cy="0"/>
+        </a:xfrm>
+      </p:grpSpPr>
+      <p:sp>
+        <p:nvSpPr>
+          <p:cNvPr id="2" name="Rechteck 1"/>
+          <p:cNvSpPr/>
+          <p:nvPr/>
+        </p:nvSpPr>
+        <p:spPr>
+          <a:xfrm>
+            <a:off x="303299" y="265364"/>
+            <a:ext cx="464427" cy="616023"/>
+          </a:xfrm>
+          <a:prstGeom prst="rect">
+            <a:avLst/>
+          </a:prstGeom>
+        </p:spPr>
+        <p:style>
+          <a:lnRef idx="2">
+            <a:schemeClr val="accent1"/>
+          </a:lnRef>
+          <a:fillRef idx="1">
+            <a:schemeClr val="lt1"/>
+          </a:fillRef>
+          <a:effectRef idx="0">
+            <a:schemeClr val="accent1"/>
+          </a:effectRef>
+          <a:fontRef idx="minor">
+            <a:schemeClr val="dk1"/>
+          </a:fontRef>
+        </p:style>
+        <p:txBody>
+          <a:bodyPr rtlCol="0" anchor="ctr"/>
+          <a:lstStyle/>
+          <a:p>
+            <a:pPr algn="ctr"/>
+            <a:endParaRPr lang="de-DE"/>
+          </a:p>
+        </p:txBody>
+      </p:sp>
+      <p:sp>
+        <p:nvSpPr>
+          <p:cNvPr id="16" name="Textfeld 15"/>
+          <p:cNvSpPr txBox="1"/>
+          <p:nvPr/>
+        </p:nvSpPr>
+        <p:spPr>
+          <a:xfrm>
+            <a:off x="94782" y="173883"/>
+            <a:ext cx="262662" cy="646331"/>
+          </a:xfrm>
+          <a:prstGeom prst="rect">
+            <a:avLst/>
+          </a:prstGeom>
+          <a:noFill/>
+        </p:spPr>
+        <p:txBody>
+          <a:bodyPr wrap="none" rtlCol="0">
+            <a:spAutoFit/>
+          </a:bodyPr>
+          <a:lstStyle/>
+          <a:p>
+            <a:r>
+              <a:rPr lang="de-DE" sz="1200" dirty="0" smtClean="0"/>
+              <a:t>1</a:t>
+            </a:r>
+          </a:p>
+          <a:p>
+            <a:r>
+              <a:rPr lang="de-DE" sz="1200" dirty="0" smtClean="0"/>
+              <a:t>2</a:t>
+            </a:r>
+          </a:p>
+          <a:p>
+            <a:r>
+              <a:rPr lang="de-DE" sz="1200" dirty="0"/>
+              <a:t>3</a:t>
+            </a:r>
+          </a:p>
+        </p:txBody>
+      </p:sp>
+      <p:sp>
+        <p:nvSpPr>
+          <p:cNvPr id="20" name="Rechteck 19"/>
+          <p:cNvSpPr/>
+          <p:nvPr/>
+        </p:nvSpPr>
+        <p:spPr>
+          <a:xfrm>
+            <a:off x="310054" y="265364"/>
+            <a:ext cx="464427" cy="150869"/>
+          </a:xfrm>
+          <a:prstGeom prst="rect">
+            <a:avLst/>
+          </a:prstGeom>
+        </p:spPr>
+        <p:style>
+          <a:lnRef idx="2">
+            <a:schemeClr val="accent1"/>
+          </a:lnRef>
+          <a:fillRef idx="1">
+            <a:schemeClr val="lt1"/>
+          </a:fillRef>
+          <a:effectRef idx="0">
+            <a:schemeClr val="accent1"/>
+          </a:effectRef>
+          <a:fontRef idx="minor">
+            <a:schemeClr val="dk1"/>
+          </a:fontRef>
+        </p:style>
+        <p:txBody>
+          <a:bodyPr rtlCol="0" anchor="ctr"/>
+          <a:lstStyle/>
+          <a:p>
+            <a:pPr algn="ctr"/>
+            <a:endParaRPr lang="de-DE"/>
+          </a:p>
+        </p:txBody>
+      </p:sp>
+      <p:sp>
+        <p:nvSpPr>
+          <p:cNvPr id="19" name="Rechteck 18"/>
+          <p:cNvSpPr/>
+          <p:nvPr/>
+        </p:nvSpPr>
+        <p:spPr>
+          <a:xfrm>
+            <a:off x="530774" y="275610"/>
+            <a:ext cx="237704" cy="605778"/>
+          </a:xfrm>
+          <a:prstGeom prst="rect">
+            <a:avLst/>
+          </a:prstGeom>
+          <a:noFill/>
+        </p:spPr>
+        <p:style>
+          <a:lnRef idx="2">
+            <a:schemeClr val="accent1"/>
+          </a:lnRef>
+          <a:fillRef idx="1">
+            <a:schemeClr val="lt1"/>
+          </a:fillRef>
+          <a:effectRef idx="0">
+            <a:schemeClr val="accent1"/>
+          </a:effectRef>
+          <a:fontRef idx="minor">
+            <a:schemeClr val="dk1"/>
+          </a:fontRef>
+        </p:style>
+        <p:txBody>
+          <a:bodyPr rtlCol="0" anchor="ctr"/>
+          <a:lstStyle/>
+          <a:p>
+            <a:pPr algn="ctr"/>
+            <a:endParaRPr lang="de-DE"/>
+          </a:p>
+        </p:txBody>
+      </p:sp>
+      <p:sp>
+        <p:nvSpPr>
+          <p:cNvPr id="25" name="Rechteck 24"/>
+          <p:cNvSpPr/>
+          <p:nvPr/>
+        </p:nvSpPr>
+        <p:spPr>
+          <a:xfrm>
+            <a:off x="310806" y="417764"/>
+            <a:ext cx="464427" cy="150869"/>
+          </a:xfrm>
+          <a:prstGeom prst="rect">
+            <a:avLst/>
+          </a:prstGeom>
+          <a:noFill/>
+        </p:spPr>
+        <p:style>
+          <a:lnRef idx="2">
+            <a:schemeClr val="accent1"/>
+          </a:lnRef>
+          <a:fillRef idx="1">
+            <a:schemeClr val="lt1"/>
+          </a:fillRef>
+          <a:effectRef idx="0">
+            <a:schemeClr val="accent1"/>
+          </a:effectRef>
+          <a:fontRef idx="minor">
+            <a:schemeClr val="dk1"/>
+          </a:fontRef>
+        </p:style>
+        <p:txBody>
+          <a:bodyPr rtlCol="0" anchor="ctr"/>
+          <a:lstStyle/>
+          <a:p>
+            <a:pPr algn="ctr"/>
+            <a:endParaRPr lang="de-DE"/>
+          </a:p>
+        </p:txBody>
+      </p:sp>
+      <p:sp>
+        <p:nvSpPr>
+          <p:cNvPr id="28" name="Rechteck 27"/>
+          <p:cNvSpPr/>
+          <p:nvPr/>
+        </p:nvSpPr>
+        <p:spPr>
+          <a:xfrm>
+            <a:off x="302080" y="570164"/>
+            <a:ext cx="464427" cy="150869"/>
+          </a:xfrm>
+          <a:prstGeom prst="rect">
+            <a:avLst/>
+          </a:prstGeom>
+          <a:noFill/>
+        </p:spPr>
+        <p:style>
+          <a:lnRef idx="2">
+            <a:schemeClr val="accent1"/>
+          </a:lnRef>
+          <a:fillRef idx="1">
+            <a:schemeClr val="lt1"/>
+          </a:fillRef>
+          <a:effectRef idx="0">
+            <a:schemeClr val="accent1"/>
+          </a:effectRef>
+          <a:fontRef idx="minor">
+            <a:schemeClr val="dk1"/>
+          </a:fontRef>
+        </p:style>
+        <p:txBody>
+          <a:bodyPr rtlCol="0" anchor="ctr"/>
+          <a:lstStyle/>
+          <a:p>
+            <a:pPr algn="ctr"/>
+            <a:endParaRPr lang="de-DE"/>
+          </a:p>
+        </p:txBody>
+      </p:sp>
+      <p:sp>
+        <p:nvSpPr>
+          <p:cNvPr id="29" name="Textfeld 28"/>
+          <p:cNvSpPr txBox="1"/>
+          <p:nvPr/>
+        </p:nvSpPr>
+        <p:spPr>
+          <a:xfrm>
+            <a:off x="285094" y="165174"/>
+            <a:ext cx="262662" cy="646331"/>
+          </a:xfrm>
+          <a:prstGeom prst="rect">
+            <a:avLst/>
+          </a:prstGeom>
+          <a:noFill/>
+        </p:spPr>
+        <p:txBody>
+          <a:bodyPr wrap="none" rtlCol="0">
+            <a:spAutoFit/>
+          </a:bodyPr>
+          <a:lstStyle/>
+          <a:p>
+            <a:r>
+              <a:rPr lang="de-DE" sz="1200" dirty="0" smtClean="0"/>
+              <a:t>1</a:t>
+            </a:r>
+          </a:p>
+          <a:p>
+            <a:r>
+              <a:rPr lang="de-DE" sz="1200" dirty="0"/>
+              <a:t>1</a:t>
+            </a:r>
+            <a:endParaRPr lang="de-DE" sz="1200" dirty="0" smtClean="0"/>
+          </a:p>
+          <a:p>
+            <a:r>
+              <a:rPr lang="de-DE" sz="1200" dirty="0" smtClean="0"/>
+              <a:t>1</a:t>
+            </a:r>
+            <a:endParaRPr lang="de-DE" sz="1200" dirty="0"/>
+          </a:p>
+        </p:txBody>
+      </p:sp>
+      <p:sp>
+        <p:nvSpPr>
+          <p:cNvPr id="30" name="Textfeld 29"/>
+          <p:cNvSpPr txBox="1"/>
+          <p:nvPr/>
+        </p:nvSpPr>
+        <p:spPr>
+          <a:xfrm>
+            <a:off x="494362" y="165942"/>
+            <a:ext cx="262662" cy="646331"/>
+          </a:xfrm>
+          <a:prstGeom prst="rect">
+            <a:avLst/>
+          </a:prstGeom>
+          <a:noFill/>
+        </p:spPr>
+        <p:txBody>
+          <a:bodyPr wrap="none" rtlCol="0">
+            <a:spAutoFit/>
+          </a:bodyPr>
+          <a:lstStyle/>
+          <a:p>
+            <a:r>
+              <a:rPr lang="de-DE" sz="1200" dirty="0" smtClean="0"/>
+              <a:t>2</a:t>
+            </a:r>
+          </a:p>
+          <a:p>
+            <a:r>
+              <a:rPr lang="de-DE" sz="1200" dirty="0" smtClean="0"/>
+              <a:t>3</a:t>
+            </a:r>
+          </a:p>
+          <a:p>
+            <a:r>
+              <a:rPr lang="de-DE" sz="1200" dirty="0" smtClean="0"/>
+              <a:t>2</a:t>
+            </a:r>
+            <a:endParaRPr lang="de-DE" sz="1200" dirty="0"/>
+          </a:p>
+        </p:txBody>
+      </p:sp>
+    </p:spTree>
+    <p:extLst>
+      <p:ext uri="{BB962C8B-B14F-4D97-AF65-F5344CB8AC3E}">
+        <p14:creationId xmlns:p14="http://schemas.microsoft.com/office/powerpoint/2010/main" val="1997323673"/>
+      </p:ext>
+    </p:extLst>
+  </p:cSld>
+  <p:clrMapOvr>
+    <a:masterClrMapping/>
+  </p:clrMapOvr>
+</p:sld>
+</file>
+
+<file path=ppt/slides/slide5.xml><?xml version="1.0" encoding="utf-8"?>
+<p:sld xmlns:a="http://schemas.openxmlformats.org/drawingml/2006/main" xmlns:r="http://schemas.openxmlformats.org/officeDocument/2006/relationships" xmlns:p="http://schemas.openxmlformats.org/presentationml/2006/main">
+  <p:cSld>
+    <p:spTree>
+      <p:nvGrpSpPr>
+        <p:cNvPr id="1" name=""/>
+        <p:cNvGrpSpPr/>
+        <p:nvPr/>
+      </p:nvGrpSpPr>
+      <p:grpSpPr>
+        <a:xfrm>
+          <a:off x="0" y="0"/>
+          <a:ext cx="0" cy="0"/>
+          <a:chOff x="0" y="0"/>
+          <a:chExt cx="0" cy="0"/>
+        </a:xfrm>
+      </p:grpSpPr>
+      <p:grpSp>
+        <p:nvGrpSpPr>
+          <p:cNvPr id="4" name="Gruppierung 3"/>
+          <p:cNvGrpSpPr/>
+          <p:nvPr/>
+        </p:nvGrpSpPr>
+        <p:grpSpPr>
+          <a:xfrm>
+            <a:off x="715681" y="286941"/>
+            <a:ext cx="274434" cy="286476"/>
+            <a:chOff x="388009" y="545202"/>
+            <a:chExt cx="274434" cy="286476"/>
+          </a:xfrm>
+        </p:grpSpPr>
+        <p:sp>
+          <p:nvSpPr>
+            <p:cNvPr id="13" name="Oval 12"/>
+            <p:cNvSpPr/>
+            <p:nvPr/>
+          </p:nvSpPr>
+          <p:spPr>
+            <a:xfrm>
+              <a:off x="394704" y="573417"/>
+              <a:ext cx="258261" cy="258261"/>
+            </a:xfrm>
+            <a:prstGeom prst="ellipse">
+              <a:avLst/>
+            </a:prstGeom>
+          </p:spPr>
+          <p:style>
+            <a:lnRef idx="2">
+              <a:schemeClr val="accent1"/>
+            </a:lnRef>
+            <a:fillRef idx="1">
+              <a:schemeClr val="lt1"/>
+            </a:fillRef>
+            <a:effectRef idx="0">
+              <a:schemeClr val="accent1"/>
+            </a:effectRef>
+            <a:fontRef idx="minor">
+              <a:schemeClr val="dk1"/>
+            </a:fontRef>
+          </p:style>
+          <p:txBody>
+            <a:bodyPr rtlCol="0" anchor="ctr"/>
+            <a:lstStyle/>
+            <a:p>
+              <a:pPr algn="ctr"/>
+              <a:endParaRPr lang="de-DE"/>
+            </a:p>
+          </p:txBody>
+        </p:sp>
+        <p:sp>
+          <p:nvSpPr>
+            <p:cNvPr id="10" name="Textfeld 9"/>
+            <p:cNvSpPr txBox="1"/>
+            <p:nvPr/>
+          </p:nvSpPr>
+          <p:spPr>
+            <a:xfrm>
+              <a:off x="388009" y="545202"/>
+              <a:ext cx="274434" cy="276999"/>
+            </a:xfrm>
+            <a:prstGeom prst="rect">
+              <a:avLst/>
+            </a:prstGeom>
+            <a:noFill/>
+          </p:spPr>
+          <p:txBody>
+            <a:bodyPr wrap="none" rtlCol="0">
+              <a:spAutoFit/>
+            </a:bodyPr>
+            <a:lstStyle/>
+            <a:p>
+              <a:r>
+                <a:rPr lang="de-DE" sz="1200" dirty="0" smtClean="0"/>
+                <a:t>A</a:t>
+              </a:r>
+              <a:endParaRPr lang="de-DE" sz="1200" baseline="-25000" dirty="0"/>
+            </a:p>
+          </p:txBody>
+        </p:sp>
+      </p:grpSp>
+      <p:grpSp>
+        <p:nvGrpSpPr>
+          <p:cNvPr id="35" name="Gruppierung 34"/>
+          <p:cNvGrpSpPr/>
+          <p:nvPr/>
+        </p:nvGrpSpPr>
+        <p:grpSpPr>
+          <a:xfrm>
+            <a:off x="284495" y="706764"/>
+            <a:ext cx="274434" cy="286476"/>
+            <a:chOff x="388009" y="545202"/>
+            <a:chExt cx="274434" cy="286476"/>
+          </a:xfrm>
+        </p:grpSpPr>
+        <p:sp>
+          <p:nvSpPr>
+            <p:cNvPr id="36" name="Oval 35"/>
+            <p:cNvSpPr/>
+            <p:nvPr/>
+          </p:nvSpPr>
+          <p:spPr>
+            <a:xfrm>
+              <a:off x="394704" y="573417"/>
+              <a:ext cx="258261" cy="258261"/>
+            </a:xfrm>
+            <a:prstGeom prst="ellipse">
+              <a:avLst/>
+            </a:prstGeom>
+          </p:spPr>
+          <p:style>
+            <a:lnRef idx="2">
+              <a:schemeClr val="accent1"/>
+            </a:lnRef>
+            <a:fillRef idx="1">
+              <a:schemeClr val="lt1"/>
+            </a:fillRef>
+            <a:effectRef idx="0">
+              <a:schemeClr val="accent1"/>
+            </a:effectRef>
+            <a:fontRef idx="minor">
+              <a:schemeClr val="dk1"/>
+            </a:fontRef>
+          </p:style>
+          <p:txBody>
+            <a:bodyPr rtlCol="0" anchor="ctr"/>
+            <a:lstStyle/>
+            <a:p>
+              <a:pPr algn="ctr"/>
+              <a:endParaRPr lang="de-DE"/>
+            </a:p>
+          </p:txBody>
+        </p:sp>
+        <p:sp>
+          <p:nvSpPr>
+            <p:cNvPr id="37" name="Textfeld 36"/>
+            <p:cNvSpPr txBox="1"/>
+            <p:nvPr/>
+          </p:nvSpPr>
+          <p:spPr>
+            <a:xfrm>
+              <a:off x="388009" y="545202"/>
+              <a:ext cx="274434" cy="276999"/>
+            </a:xfrm>
+            <a:prstGeom prst="rect">
+              <a:avLst/>
+            </a:prstGeom>
+            <a:noFill/>
+          </p:spPr>
+          <p:txBody>
+            <a:bodyPr wrap="none" rtlCol="0">
+              <a:spAutoFit/>
+            </a:bodyPr>
+            <a:lstStyle/>
+            <a:p>
+              <a:r>
+                <a:rPr lang="de-DE" sz="1200" dirty="0" smtClean="0"/>
+                <a:t>B</a:t>
+              </a:r>
+              <a:endParaRPr lang="de-DE" sz="1200" baseline="-25000" dirty="0"/>
+            </a:p>
+          </p:txBody>
+        </p:sp>
+      </p:grpSp>
+      <p:grpSp>
+        <p:nvGrpSpPr>
+          <p:cNvPr id="38" name="Gruppierung 37"/>
+          <p:cNvGrpSpPr/>
+          <p:nvPr/>
+        </p:nvGrpSpPr>
+        <p:grpSpPr>
+          <a:xfrm>
+            <a:off x="1168602" y="714366"/>
+            <a:ext cx="274434" cy="286476"/>
+            <a:chOff x="388009" y="545202"/>
+            <a:chExt cx="274434" cy="286476"/>
+          </a:xfrm>
+        </p:grpSpPr>
+        <p:sp>
+          <p:nvSpPr>
+            <p:cNvPr id="39" name="Oval 38"/>
+            <p:cNvSpPr/>
+            <p:nvPr/>
+          </p:nvSpPr>
+          <p:spPr>
+            <a:xfrm>
+              <a:off x="394704" y="573417"/>
+              <a:ext cx="258261" cy="258261"/>
+            </a:xfrm>
+            <a:prstGeom prst="ellipse">
+              <a:avLst/>
+            </a:prstGeom>
+          </p:spPr>
+          <p:style>
+            <a:lnRef idx="2">
+              <a:schemeClr val="accent1"/>
+            </a:lnRef>
+            <a:fillRef idx="1">
+              <a:schemeClr val="lt1"/>
+            </a:fillRef>
+            <a:effectRef idx="0">
+              <a:schemeClr val="accent1"/>
+            </a:effectRef>
+            <a:fontRef idx="minor">
+              <a:schemeClr val="dk1"/>
+            </a:fontRef>
+          </p:style>
+          <p:txBody>
+            <a:bodyPr rtlCol="0" anchor="ctr"/>
+            <a:lstStyle/>
+            <a:p>
+              <a:pPr algn="ctr"/>
+              <a:endParaRPr lang="de-DE"/>
+            </a:p>
+          </p:txBody>
+        </p:sp>
+        <p:sp>
+          <p:nvSpPr>
+            <p:cNvPr id="40" name="Textfeld 39"/>
+            <p:cNvSpPr txBox="1"/>
+            <p:nvPr/>
+          </p:nvSpPr>
+          <p:spPr>
+            <a:xfrm>
+              <a:off x="388009" y="545202"/>
+              <a:ext cx="274434" cy="276999"/>
+            </a:xfrm>
+            <a:prstGeom prst="rect">
+              <a:avLst/>
+            </a:prstGeom>
+            <a:noFill/>
+          </p:spPr>
+          <p:txBody>
+            <a:bodyPr wrap="none" rtlCol="0">
+              <a:spAutoFit/>
+            </a:bodyPr>
+            <a:lstStyle/>
+            <a:p>
+              <a:r>
+                <a:rPr lang="de-DE" sz="1200" dirty="0" smtClean="0"/>
+                <a:t>C</a:t>
+              </a:r>
+              <a:endParaRPr lang="de-DE" sz="1200" baseline="-25000" dirty="0"/>
+            </a:p>
+          </p:txBody>
+        </p:sp>
+      </p:grpSp>
+      <p:grpSp>
+        <p:nvGrpSpPr>
+          <p:cNvPr id="41" name="Gruppierung 40"/>
+          <p:cNvGrpSpPr/>
+          <p:nvPr/>
+        </p:nvGrpSpPr>
+        <p:grpSpPr>
+          <a:xfrm>
+            <a:off x="725159" y="1059234"/>
+            <a:ext cx="279343" cy="286476"/>
+            <a:chOff x="388009" y="545202"/>
+            <a:chExt cx="279343" cy="286476"/>
+          </a:xfrm>
+        </p:grpSpPr>
+        <p:sp>
+          <p:nvSpPr>
+            <p:cNvPr id="42" name="Oval 41"/>
+            <p:cNvSpPr/>
+            <p:nvPr/>
+          </p:nvSpPr>
+          <p:spPr>
+            <a:xfrm>
+              <a:off x="394704" y="573417"/>
+              <a:ext cx="258261" cy="258261"/>
+            </a:xfrm>
+            <a:prstGeom prst="ellipse">
+              <a:avLst/>
+            </a:prstGeom>
+          </p:spPr>
+          <p:style>
+            <a:lnRef idx="2">
+              <a:schemeClr val="accent1"/>
+            </a:lnRef>
+            <a:fillRef idx="1">
+              <a:schemeClr val="lt1"/>
+            </a:fillRef>
+            <a:effectRef idx="0">
+              <a:schemeClr val="accent1"/>
+            </a:effectRef>
+            <a:fontRef idx="minor">
+              <a:schemeClr val="dk1"/>
+            </a:fontRef>
+          </p:style>
+          <p:txBody>
+            <a:bodyPr rtlCol="0" anchor="ctr"/>
+            <a:lstStyle/>
+            <a:p>
+              <a:pPr algn="ctr"/>
+              <a:endParaRPr lang="de-DE"/>
+            </a:p>
+          </p:txBody>
+        </p:sp>
+        <p:sp>
+          <p:nvSpPr>
+            <p:cNvPr id="43" name="Textfeld 42"/>
+            <p:cNvSpPr txBox="1"/>
+            <p:nvPr/>
+          </p:nvSpPr>
+          <p:spPr>
+            <a:xfrm>
+              <a:off x="388009" y="545202"/>
+              <a:ext cx="279343" cy="276999"/>
+            </a:xfrm>
+            <a:prstGeom prst="rect">
+              <a:avLst/>
+            </a:prstGeom>
+            <a:noFill/>
+          </p:spPr>
+          <p:txBody>
+            <a:bodyPr wrap="none" rtlCol="0">
+              <a:spAutoFit/>
+            </a:bodyPr>
+            <a:lstStyle/>
+            <a:p>
+              <a:r>
+                <a:rPr lang="de-DE" sz="1200" dirty="0" smtClean="0"/>
+                <a:t>D</a:t>
+              </a:r>
+              <a:endParaRPr lang="de-DE" sz="1200" baseline="-25000" dirty="0"/>
+            </a:p>
+          </p:txBody>
+        </p:sp>
+      </p:grpSp>
+      <p:cxnSp>
+        <p:nvCxnSpPr>
+          <p:cNvPr id="6" name="Gekrümmte Verbindung 5"/>
+          <p:cNvCxnSpPr>
+            <a:stCxn id="10" idx="1"/>
+            <a:endCxn id="37" idx="0"/>
+          </p:cNvCxnSpPr>
+          <p:nvPr/>
+        </p:nvCxnSpPr>
+        <p:spPr>
+          <a:xfrm rot="10800000" flipV="1">
+            <a:off x="421713" y="425440"/>
+            <a:ext cx="293969" cy="281323"/>
+          </a:xfrm>
+          <a:prstGeom prst="curvedConnector2">
+            <a:avLst/>
+          </a:prstGeom>
+        </p:spPr>
+        <p:style>
+          <a:lnRef idx="2">
+            <a:schemeClr val="accent1"/>
+          </a:lnRef>
+          <a:fillRef idx="0">
+            <a:schemeClr val="accent1"/>
+          </a:fillRef>
+          <a:effectRef idx="1">
+            <a:schemeClr val="accent1"/>
+          </a:effectRef>
+          <a:fontRef idx="minor">
+            <a:schemeClr val="tx1"/>
+          </a:fontRef>
+        </p:style>
+      </p:cxnSp>
+      <p:cxnSp>
+        <p:nvCxnSpPr>
+          <p:cNvPr id="8" name="Gekrümmte Verbindung 7"/>
+          <p:cNvCxnSpPr>
+            <a:stCxn id="37" idx="3"/>
+            <a:endCxn id="10" idx="2"/>
+          </p:cNvCxnSpPr>
+          <p:nvPr/>
+        </p:nvCxnSpPr>
+        <p:spPr>
+          <a:xfrm flipV="1">
+            <a:off x="558929" y="563940"/>
+            <a:ext cx="293969" cy="281324"/>
+          </a:xfrm>
+          <a:prstGeom prst="curvedConnector2">
+            <a:avLst/>
+          </a:prstGeom>
+        </p:spPr>
+        <p:style>
+          <a:lnRef idx="2">
+            <a:schemeClr val="accent1"/>
+          </a:lnRef>
+          <a:fillRef idx="0">
+            <a:schemeClr val="accent1"/>
+          </a:fillRef>
+          <a:effectRef idx="1">
+            <a:schemeClr val="accent1"/>
+          </a:effectRef>
+          <a:fontRef idx="minor">
+            <a:schemeClr val="tx1"/>
+          </a:fontRef>
+        </p:style>
+      </p:cxnSp>
+      <p:cxnSp>
+        <p:nvCxnSpPr>
+          <p:cNvPr id="46" name="Gekrümmte Verbindung 45"/>
+          <p:cNvCxnSpPr>
+            <a:stCxn id="39" idx="0"/>
+            <a:endCxn id="10" idx="3"/>
+          </p:cNvCxnSpPr>
+          <p:nvPr/>
+        </p:nvCxnSpPr>
+        <p:spPr>
+          <a:xfrm rot="16200000" flipV="1">
+            <a:off x="988702" y="426854"/>
+            <a:ext cx="317140" cy="314313"/>
+          </a:xfrm>
+          <a:prstGeom prst="curvedConnector2">
+            <a:avLst/>
+          </a:prstGeom>
+        </p:spPr>
+        <p:style>
+          <a:lnRef idx="2">
+            <a:schemeClr val="accent1"/>
+          </a:lnRef>
+          <a:fillRef idx="0">
+            <a:schemeClr val="accent1"/>
+          </a:fillRef>
+          <a:effectRef idx="1">
+            <a:schemeClr val="accent1"/>
+          </a:effectRef>
+          <a:fontRef idx="minor">
+            <a:schemeClr val="tx1"/>
+          </a:fontRef>
+        </p:style>
+      </p:cxnSp>
+      <p:cxnSp>
+        <p:nvCxnSpPr>
+          <p:cNvPr id="47" name="Gekrümmte Verbindung 46"/>
+          <p:cNvCxnSpPr>
+            <a:stCxn id="39" idx="2"/>
+            <a:endCxn id="37" idx="3"/>
+          </p:cNvCxnSpPr>
+          <p:nvPr/>
+        </p:nvCxnSpPr>
+        <p:spPr>
+          <a:xfrm rot="10800000">
+            <a:off x="558929" y="845264"/>
+            <a:ext cx="616368" cy="26448"/>
+          </a:xfrm>
+          <a:prstGeom prst="curvedConnector3">
+            <a:avLst>
+              <a:gd name="adj1" fmla="val 50000"/>
+            </a:avLst>
+          </a:prstGeom>
+        </p:spPr>
+        <p:style>
+          <a:lnRef idx="2">
+            <a:schemeClr val="accent1"/>
+          </a:lnRef>
+          <a:fillRef idx="0">
+            <a:schemeClr val="accent1"/>
+          </a:fillRef>
+          <a:effectRef idx="1">
+            <a:schemeClr val="accent1"/>
+          </a:effectRef>
+          <a:fontRef idx="minor">
+            <a:schemeClr val="tx1"/>
+          </a:fontRef>
+        </p:style>
+      </p:cxnSp>
+      <p:cxnSp>
+        <p:nvCxnSpPr>
+          <p:cNvPr id="50" name="Gekrümmte Verbindung 49"/>
+          <p:cNvCxnSpPr>
+            <a:stCxn id="43" idx="1"/>
+            <a:endCxn id="37" idx="2"/>
+          </p:cNvCxnSpPr>
+          <p:nvPr/>
+        </p:nvCxnSpPr>
+        <p:spPr>
+          <a:xfrm rot="10800000">
+            <a:off x="421713" y="983764"/>
+            <a:ext cx="303447" cy="213971"/>
+          </a:xfrm>
+          <a:prstGeom prst="curvedConnector2">
+            <a:avLst/>
+          </a:prstGeom>
+        </p:spPr>
+        <p:style>
+          <a:lnRef idx="2">
+            <a:schemeClr val="accent1"/>
+          </a:lnRef>
+          <a:fillRef idx="0">
+            <a:schemeClr val="accent1"/>
+          </a:fillRef>
+          <a:effectRef idx="1">
+            <a:schemeClr val="accent1"/>
+          </a:effectRef>
+          <a:fontRef idx="minor">
+            <a:schemeClr val="tx1"/>
+          </a:fontRef>
+        </p:style>
+      </p:cxnSp>
+      <p:cxnSp>
+        <p:nvCxnSpPr>
+          <p:cNvPr id="53" name="Gekrümmte Verbindung 52"/>
+          <p:cNvCxnSpPr>
+            <a:stCxn id="43" idx="0"/>
+            <a:endCxn id="37" idx="3"/>
+          </p:cNvCxnSpPr>
+          <p:nvPr/>
+        </p:nvCxnSpPr>
+        <p:spPr>
+          <a:xfrm rot="16200000" flipV="1">
+            <a:off x="604895" y="799298"/>
+            <a:ext cx="213970" cy="305902"/>
+          </a:xfrm>
+          <a:prstGeom prst="curvedConnector2">
+            <a:avLst/>
+          </a:prstGeom>
+        </p:spPr>
+        <p:style>
+          <a:lnRef idx="2">
+            <a:schemeClr val="accent1"/>
+          </a:lnRef>
+          <a:fillRef idx="0">
+            <a:schemeClr val="accent1"/>
+          </a:fillRef>
+          <a:effectRef idx="1">
+            <a:schemeClr val="accent1"/>
+          </a:effectRef>
+          <a:fontRef idx="minor">
+            <a:schemeClr val="tx1"/>
+          </a:fontRef>
+        </p:style>
+      </p:cxnSp>
+      <p:cxnSp>
+        <p:nvCxnSpPr>
+          <p:cNvPr id="56" name="Gekrümmte Verbindung 55"/>
+          <p:cNvCxnSpPr>
+            <a:stCxn id="39" idx="4"/>
+            <a:endCxn id="43" idx="3"/>
+          </p:cNvCxnSpPr>
+          <p:nvPr/>
+        </p:nvCxnSpPr>
+        <p:spPr>
+          <a:xfrm rot="5400000">
+            <a:off x="1056019" y="949325"/>
+            <a:ext cx="196892" cy="299926"/>
+          </a:xfrm>
+          <a:prstGeom prst="curvedConnector2">
+            <a:avLst/>
+          </a:prstGeom>
+        </p:spPr>
+        <p:style>
+          <a:lnRef idx="2">
+            <a:schemeClr val="accent1"/>
+          </a:lnRef>
+          <a:fillRef idx="0">
+            <a:schemeClr val="accent1"/>
+          </a:fillRef>
+          <a:effectRef idx="1">
+            <a:schemeClr val="accent1"/>
+          </a:effectRef>
+          <a:fontRef idx="minor">
+            <a:schemeClr val="tx1"/>
+          </a:fontRef>
+        </p:style>
+      </p:cxnSp>
+      <p:sp>
+        <p:nvSpPr>
+          <p:cNvPr id="59" name="Textfeld 58"/>
+          <p:cNvSpPr txBox="1"/>
+          <p:nvPr/>
+        </p:nvSpPr>
+        <p:spPr>
+          <a:xfrm rot="19006073">
+            <a:off x="128114" y="286940"/>
+            <a:ext cx="587195" cy="276999"/>
+          </a:xfrm>
+          <a:prstGeom prst="rect">
+            <a:avLst/>
+          </a:prstGeom>
+          <a:noFill/>
+        </p:spPr>
+        <p:txBody>
+          <a:bodyPr wrap="none" rtlCol="0">
+            <a:spAutoFit/>
+          </a:bodyPr>
+          <a:lstStyle/>
+          <a:p>
+            <a:r>
+              <a:rPr lang="de-DE" sz="1200" dirty="0" smtClean="0"/>
+              <a:t>Bridge</a:t>
+            </a:r>
+            <a:endParaRPr lang="de-DE" sz="1200" dirty="0"/>
+          </a:p>
+        </p:txBody>
+      </p:sp>
+      <p:sp>
+        <p:nvSpPr>
+          <p:cNvPr id="60" name="Textfeld 59"/>
+          <p:cNvSpPr txBox="1"/>
+          <p:nvPr/>
+        </p:nvSpPr>
+        <p:spPr>
+          <a:xfrm rot="20251033">
+            <a:off x="1359115" y="575866"/>
+            <a:ext cx="479618" cy="276999"/>
+          </a:xfrm>
+          <a:prstGeom prst="rect">
+            <a:avLst/>
+          </a:prstGeom>
+          <a:noFill/>
+        </p:spPr>
+        <p:txBody>
+          <a:bodyPr wrap="none" rtlCol="0">
+            <a:spAutoFit/>
+          </a:bodyPr>
+          <a:lstStyle/>
+          <a:p>
+            <a:r>
+              <a:rPr lang="de-DE" sz="1200" dirty="0" smtClean="0"/>
+              <a:t>Area</a:t>
+            </a:r>
+            <a:endParaRPr lang="de-DE" sz="1200" dirty="0"/>
+          </a:p>
+        </p:txBody>
+      </p:sp>
+    </p:spTree>
+    <p:extLst>
+      <p:ext uri="{BB962C8B-B14F-4D97-AF65-F5344CB8AC3E}">
+        <p14:creationId xmlns:p14="http://schemas.microsoft.com/office/powerpoint/2010/main" val="2121887400"/>
+      </p:ext>
+    </p:extLst>
+  </p:cSld>
+  <p:clrMapOvr>
+    <a:masterClrMapping/>
+  </p:clrMapOvr>
+</p:sld>
+</file>
+
+<file path=ppt/slides/slide6.xml><?xml version="1.0" encoding="utf-8"?>
+<p:sld xmlns:a="http://schemas.openxmlformats.org/drawingml/2006/main" xmlns:r="http://schemas.openxmlformats.org/officeDocument/2006/relationships" xmlns:p="http://schemas.openxmlformats.org/presentationml/2006/main">
+  <p:cSld>
+    <p:spTree>
+      <p:nvGrpSpPr>
+        <p:cNvPr id="1" name=""/>
+        <p:cNvGrpSpPr/>
+        <p:nvPr/>
+      </p:nvGrpSpPr>
+      <p:grpSpPr>
+        <a:xfrm>
+          <a:off x="0" y="0"/>
+          <a:ext cx="0" cy="0"/>
+          <a:chOff x="0" y="0"/>
+          <a:chExt cx="0" cy="0"/>
+        </a:xfrm>
+      </p:grpSpPr>
+      <p:sp>
+        <p:nvSpPr>
+          <p:cNvPr id="26" name="Oval 25"/>
+          <p:cNvSpPr/>
+          <p:nvPr/>
+        </p:nvSpPr>
+        <p:spPr>
+          <a:xfrm>
+            <a:off x="423141" y="165898"/>
+            <a:ext cx="122891" cy="122891"/>
+          </a:xfrm>
+          <a:prstGeom prst="ellipse">
+            <a:avLst/>
+          </a:prstGeom>
+        </p:spPr>
+        <p:style>
+          <a:lnRef idx="2">
+            <a:schemeClr val="accent1"/>
+          </a:lnRef>
+          <a:fillRef idx="1">
+            <a:schemeClr val="lt1"/>
+          </a:fillRef>
+          <a:effectRef idx="0">
+            <a:schemeClr val="accent1"/>
+          </a:effectRef>
+          <a:fontRef idx="minor">
+            <a:schemeClr val="dk1"/>
+          </a:fontRef>
+        </p:style>
+        <p:txBody>
+          <a:bodyPr rtlCol="0" anchor="ctr"/>
+          <a:lstStyle/>
+          <a:p>
+            <a:pPr algn="ctr"/>
+            <a:endParaRPr lang="de-DE"/>
+          </a:p>
+        </p:txBody>
+      </p:sp>
+      <p:sp>
+        <p:nvSpPr>
+          <p:cNvPr id="27" name="Oval 26"/>
+          <p:cNvSpPr/>
+          <p:nvPr/>
+        </p:nvSpPr>
+        <p:spPr>
+          <a:xfrm>
+            <a:off x="209721" y="797382"/>
+            <a:ext cx="122891" cy="122891"/>
+          </a:xfrm>
+          <a:prstGeom prst="ellipse">
+            <a:avLst/>
+          </a:prstGeom>
+        </p:spPr>
+        <p:style>
+          <a:lnRef idx="2">
+            <a:schemeClr val="accent1"/>
+          </a:lnRef>
+          <a:fillRef idx="1">
+            <a:schemeClr val="lt1"/>
+          </a:fillRef>
+          <a:effectRef idx="0">
+            <a:schemeClr val="accent1"/>
+          </a:effectRef>
+          <a:fontRef idx="minor">
+            <a:schemeClr val="dk1"/>
+          </a:fontRef>
+        </p:style>
+        <p:txBody>
+          <a:bodyPr rtlCol="0" anchor="ctr"/>
+          <a:lstStyle/>
+          <a:p>
+            <a:pPr algn="ctr"/>
+            <a:endParaRPr lang="de-DE"/>
+          </a:p>
+        </p:txBody>
+      </p:sp>
+      <p:sp>
+        <p:nvSpPr>
+          <p:cNvPr id="28" name="Oval 27"/>
+          <p:cNvSpPr/>
+          <p:nvPr/>
+        </p:nvSpPr>
+        <p:spPr>
+          <a:xfrm>
+            <a:off x="653835" y="809234"/>
+            <a:ext cx="122891" cy="122891"/>
+          </a:xfrm>
+          <a:prstGeom prst="ellipse">
+            <a:avLst/>
+          </a:prstGeom>
+        </p:spPr>
+        <p:style>
+          <a:lnRef idx="2">
+            <a:schemeClr val="accent1"/>
+          </a:lnRef>
+          <a:fillRef idx="1">
+            <a:schemeClr val="lt1"/>
+          </a:fillRef>
+          <a:effectRef idx="0">
+            <a:schemeClr val="accent1"/>
+          </a:effectRef>
+          <a:fontRef idx="minor">
+            <a:schemeClr val="dk1"/>
+          </a:fontRef>
+        </p:style>
+        <p:txBody>
+          <a:bodyPr rtlCol="0" anchor="ctr"/>
+          <a:lstStyle/>
+          <a:p>
+            <a:pPr algn="ctr"/>
+            <a:endParaRPr lang="de-DE"/>
+          </a:p>
+        </p:txBody>
+      </p:sp>
+      <p:sp>
+        <p:nvSpPr>
+          <p:cNvPr id="30" name="Oval 29"/>
+          <p:cNvSpPr/>
+          <p:nvPr/>
+        </p:nvSpPr>
+        <p:spPr>
+          <a:xfrm>
+            <a:off x="209721" y="391648"/>
+            <a:ext cx="122891" cy="122891"/>
+          </a:xfrm>
+          <a:prstGeom prst="ellipse">
+            <a:avLst/>
+          </a:prstGeom>
+        </p:spPr>
+        <p:style>
+          <a:lnRef idx="2">
+            <a:schemeClr val="accent1"/>
+          </a:lnRef>
+          <a:fillRef idx="1">
+            <a:schemeClr val="lt1"/>
+          </a:fillRef>
+          <a:effectRef idx="0">
+            <a:schemeClr val="accent1"/>
+          </a:effectRef>
+          <a:fontRef idx="minor">
+            <a:schemeClr val="dk1"/>
+          </a:fontRef>
+        </p:style>
+        <p:txBody>
+          <a:bodyPr rtlCol="0" anchor="ctr"/>
+          <a:lstStyle/>
+          <a:p>
+            <a:pPr algn="ctr"/>
+            <a:endParaRPr lang="de-DE"/>
+          </a:p>
+        </p:txBody>
+      </p:sp>
+      <p:sp>
+        <p:nvSpPr>
+          <p:cNvPr id="33" name="Oval 32"/>
+          <p:cNvSpPr/>
+          <p:nvPr/>
+        </p:nvSpPr>
+        <p:spPr>
+          <a:xfrm>
+            <a:off x="653835" y="391648"/>
+            <a:ext cx="122891" cy="122891"/>
+          </a:xfrm>
+          <a:prstGeom prst="ellipse">
+            <a:avLst/>
+          </a:prstGeom>
+        </p:spPr>
+        <p:style>
+          <a:lnRef idx="2">
+            <a:schemeClr val="accent1"/>
+          </a:lnRef>
+          <a:fillRef idx="1">
+            <a:schemeClr val="lt1"/>
+          </a:fillRef>
+          <a:effectRef idx="0">
+            <a:schemeClr val="accent1"/>
+          </a:effectRef>
+          <a:fontRef idx="minor">
+            <a:schemeClr val="dk1"/>
+          </a:fontRef>
+        </p:style>
+        <p:txBody>
+          <a:bodyPr rtlCol="0" anchor="ctr"/>
+          <a:lstStyle/>
+          <a:p>
+            <a:pPr algn="ctr"/>
+            <a:endParaRPr lang="de-DE"/>
+          </a:p>
+        </p:txBody>
+      </p:sp>
+      <p:cxnSp>
+        <p:nvCxnSpPr>
+          <p:cNvPr id="44" name="Gerade Verbindung 43"/>
+          <p:cNvCxnSpPr>
+            <a:stCxn id="26" idx="5"/>
+            <a:endCxn id="33" idx="1"/>
+          </p:cNvCxnSpPr>
+          <p:nvPr/>
+        </p:nvCxnSpPr>
+        <p:spPr>
+          <a:xfrm>
+            <a:off x="528035" y="270792"/>
+            <a:ext cx="143797" cy="138853"/>
+          </a:xfrm>
+          <a:prstGeom prst="line">
+            <a:avLst/>
+          </a:prstGeom>
+        </p:spPr>
+        <p:style>
+          <a:lnRef idx="1">
+            <a:schemeClr val="accent1"/>
+          </a:lnRef>
+          <a:fillRef idx="0">
+            <a:schemeClr val="accent1"/>
+          </a:fillRef>
+          <a:effectRef idx="0">
+            <a:schemeClr val="accent1"/>
+          </a:effectRef>
+          <a:fontRef idx="minor">
+            <a:schemeClr val="tx1"/>
+          </a:fontRef>
+        </p:style>
+      </p:cxnSp>
+      <p:cxnSp>
+        <p:nvCxnSpPr>
+          <p:cNvPr id="45" name="Gerade Verbindung 44"/>
+          <p:cNvCxnSpPr>
+            <a:stCxn id="27" idx="6"/>
+            <a:endCxn id="28" idx="2"/>
+          </p:cNvCxnSpPr>
+          <p:nvPr/>
+        </p:nvCxnSpPr>
+        <p:spPr>
+          <a:xfrm>
+            <a:off x="332612" y="858828"/>
+            <a:ext cx="321223" cy="11852"/>
+          </a:xfrm>
+          <a:prstGeom prst="line">
+            <a:avLst/>
+          </a:prstGeom>
+        </p:spPr>
+        <p:style>
+          <a:lnRef idx="1">
+            <a:schemeClr val="accent1"/>
+          </a:lnRef>
+          <a:fillRef idx="0">
+            <a:schemeClr val="accent1"/>
+          </a:fillRef>
+          <a:effectRef idx="0">
+            <a:schemeClr val="accent1"/>
+          </a:effectRef>
+          <a:fontRef idx="minor">
+            <a:schemeClr val="tx1"/>
+          </a:fontRef>
+        </p:style>
+      </p:cxnSp>
+      <p:cxnSp>
+        <p:nvCxnSpPr>
+          <p:cNvPr id="48" name="Gerade Verbindung 47"/>
+          <p:cNvCxnSpPr>
+            <a:stCxn id="27" idx="0"/>
+            <a:endCxn id="30" idx="4"/>
+          </p:cNvCxnSpPr>
+          <p:nvPr/>
+        </p:nvCxnSpPr>
+        <p:spPr>
+          <a:xfrm flipV="1">
+            <a:off x="271167" y="514539"/>
+            <a:ext cx="0" cy="282843"/>
+          </a:xfrm>
+          <a:prstGeom prst="line">
+            <a:avLst/>
+          </a:prstGeom>
+        </p:spPr>
+        <p:style>
+          <a:lnRef idx="1">
+            <a:schemeClr val="accent1"/>
+          </a:lnRef>
+          <a:fillRef idx="0">
+            <a:schemeClr val="accent1"/>
+          </a:fillRef>
+          <a:effectRef idx="0">
+            <a:schemeClr val="accent1"/>
+          </a:effectRef>
+          <a:fontRef idx="minor">
+            <a:schemeClr val="tx1"/>
+          </a:fontRef>
+        </p:style>
+      </p:cxnSp>
+      <p:cxnSp>
+        <p:nvCxnSpPr>
+          <p:cNvPr id="51" name="Gerade Verbindung 50"/>
+          <p:cNvCxnSpPr>
+            <a:stCxn id="33" idx="4"/>
+            <a:endCxn id="28" idx="0"/>
+          </p:cNvCxnSpPr>
+          <p:nvPr/>
+        </p:nvCxnSpPr>
+        <p:spPr>
+          <a:xfrm>
+            <a:off x="715281" y="514539"/>
+            <a:ext cx="0" cy="294695"/>
+          </a:xfrm>
+          <a:prstGeom prst="line">
+            <a:avLst/>
+          </a:prstGeom>
+        </p:spPr>
+        <p:style>
+          <a:lnRef idx="1">
+            <a:schemeClr val="accent1"/>
+          </a:lnRef>
+          <a:fillRef idx="0">
+            <a:schemeClr val="accent1"/>
+          </a:fillRef>
+          <a:effectRef idx="0">
+            <a:schemeClr val="accent1"/>
+          </a:effectRef>
+          <a:fontRef idx="minor">
+            <a:schemeClr val="tx1"/>
+          </a:fontRef>
+        </p:style>
+      </p:cxnSp>
+      <p:cxnSp>
+        <p:nvCxnSpPr>
+          <p:cNvPr id="54" name="Gerade Verbindung 53"/>
+          <p:cNvCxnSpPr>
+            <a:stCxn id="26" idx="3"/>
+            <a:endCxn id="30" idx="7"/>
+          </p:cNvCxnSpPr>
+          <p:nvPr/>
+        </p:nvCxnSpPr>
+        <p:spPr>
+          <a:xfrm flipH="1">
+            <a:off x="314615" y="270792"/>
+            <a:ext cx="126523" cy="138853"/>
+          </a:xfrm>
+          <a:prstGeom prst="line">
+            <a:avLst/>
+          </a:prstGeom>
+        </p:spPr>
+        <p:style>
+          <a:lnRef idx="1">
+            <a:schemeClr val="accent1"/>
+          </a:lnRef>
+          <a:fillRef idx="0">
+            <a:schemeClr val="accent1"/>
+          </a:fillRef>
+          <a:effectRef idx="0">
+            <a:schemeClr val="accent1"/>
+          </a:effectRef>
+          <a:fontRef idx="minor">
+            <a:schemeClr val="tx1"/>
+          </a:fontRef>
+        </p:style>
+      </p:cxnSp>
+      <p:cxnSp>
+        <p:nvCxnSpPr>
+          <p:cNvPr id="57" name="Gerade Verbindung 56"/>
+          <p:cNvCxnSpPr>
+            <a:stCxn id="33" idx="2"/>
+            <a:endCxn id="30" idx="6"/>
+          </p:cNvCxnSpPr>
+          <p:nvPr/>
+        </p:nvCxnSpPr>
+        <p:spPr>
+          <a:xfrm flipH="1">
+            <a:off x="332612" y="453094"/>
+            <a:ext cx="321223" cy="0"/>
+          </a:xfrm>
+          <a:prstGeom prst="line">
+            <a:avLst/>
+          </a:prstGeom>
+        </p:spPr>
+        <p:style>
+          <a:lnRef idx="1">
+            <a:schemeClr val="accent1"/>
+          </a:lnRef>
+          <a:fillRef idx="0">
+            <a:schemeClr val="accent1"/>
+          </a:fillRef>
+          <a:effectRef idx="0">
+            <a:schemeClr val="accent1"/>
+          </a:effectRef>
+          <a:fontRef idx="minor">
+            <a:schemeClr val="tx1"/>
+          </a:fontRef>
+        </p:style>
+      </p:cxnSp>
+      <p:cxnSp>
+        <p:nvCxnSpPr>
+          <p:cNvPr id="61" name="Gerade Verbindung 60"/>
+          <p:cNvCxnSpPr>
+            <a:stCxn id="33" idx="3"/>
+            <a:endCxn id="27" idx="7"/>
+          </p:cNvCxnSpPr>
+          <p:nvPr/>
+        </p:nvCxnSpPr>
+        <p:spPr>
+          <a:xfrm flipH="1">
+            <a:off x="314615" y="496542"/>
+            <a:ext cx="357217" cy="318837"/>
+          </a:xfrm>
+          <a:prstGeom prst="line">
+            <a:avLst/>
+          </a:prstGeom>
+        </p:spPr>
+        <p:style>
+          <a:lnRef idx="1">
+            <a:schemeClr val="accent1"/>
+          </a:lnRef>
+          <a:fillRef idx="0">
+            <a:schemeClr val="accent1"/>
+          </a:fillRef>
+          <a:effectRef idx="0">
+            <a:schemeClr val="accent1"/>
+          </a:effectRef>
+          <a:fontRef idx="minor">
+            <a:schemeClr val="tx1"/>
+          </a:fontRef>
+        </p:style>
+      </p:cxnSp>
+      <p:cxnSp>
+        <p:nvCxnSpPr>
+          <p:cNvPr id="62" name="Gerade Verbindung 61"/>
+          <p:cNvCxnSpPr>
+            <a:stCxn id="30" idx="5"/>
+            <a:endCxn id="28" idx="0"/>
+          </p:cNvCxnSpPr>
+          <p:nvPr/>
+        </p:nvCxnSpPr>
+        <p:spPr>
+          <a:xfrm>
+            <a:off x="314615" y="496542"/>
+            <a:ext cx="400666" cy="312692"/>
+          </a:xfrm>
+          <a:prstGeom prst="line">
+            <a:avLst/>
+          </a:prstGeom>
+        </p:spPr>
+        <p:style>
+          <a:lnRef idx="1">
+            <a:schemeClr val="accent1"/>
+          </a:lnRef>
+          <a:fillRef idx="0">
+            <a:schemeClr val="accent1"/>
+          </a:fillRef>
+          <a:effectRef idx="0">
+            <a:schemeClr val="accent1"/>
+          </a:effectRef>
+          <a:fontRef idx="minor">
+            <a:schemeClr val="tx1"/>
+          </a:fontRef>
+        </p:style>
+      </p:cxnSp>
+      <p:sp>
+        <p:nvSpPr>
+          <p:cNvPr id="65" name="Oval 64"/>
+          <p:cNvSpPr/>
+          <p:nvPr/>
+        </p:nvSpPr>
+        <p:spPr>
+          <a:xfrm>
+            <a:off x="1305355" y="148039"/>
+            <a:ext cx="122891" cy="122891"/>
+          </a:xfrm>
+          <a:prstGeom prst="ellipse">
+            <a:avLst/>
+          </a:prstGeom>
+        </p:spPr>
+        <p:style>
+          <a:lnRef idx="2">
+            <a:schemeClr val="accent1"/>
+          </a:lnRef>
+          <a:fillRef idx="1">
+            <a:schemeClr val="lt1"/>
+          </a:fillRef>
+          <a:effectRef idx="0">
+            <a:schemeClr val="accent1"/>
+          </a:effectRef>
+          <a:fontRef idx="minor">
+            <a:schemeClr val="dk1"/>
+          </a:fontRef>
+        </p:style>
+        <p:txBody>
+          <a:bodyPr rtlCol="0" anchor="ctr"/>
+          <a:lstStyle/>
+          <a:p>
+            <a:pPr algn="ctr"/>
+            <a:endParaRPr lang="de-DE"/>
+          </a:p>
+        </p:txBody>
+      </p:sp>
+      <p:sp>
+        <p:nvSpPr>
+          <p:cNvPr id="66" name="Oval 65"/>
+          <p:cNvSpPr/>
+          <p:nvPr/>
+        </p:nvSpPr>
+        <p:spPr>
+          <a:xfrm>
+            <a:off x="1091935" y="779523"/>
+            <a:ext cx="122891" cy="122891"/>
+          </a:xfrm>
+          <a:prstGeom prst="ellipse">
+            <a:avLst/>
+          </a:prstGeom>
+        </p:spPr>
+        <p:style>
+          <a:lnRef idx="2">
+            <a:schemeClr val="accent1"/>
+          </a:lnRef>
+          <a:fillRef idx="1">
+            <a:schemeClr val="lt1"/>
+          </a:fillRef>
+          <a:effectRef idx="0">
+            <a:schemeClr val="accent1"/>
+          </a:effectRef>
+          <a:fontRef idx="minor">
+            <a:schemeClr val="dk1"/>
+          </a:fontRef>
+        </p:style>
+        <p:txBody>
+          <a:bodyPr rtlCol="0" anchor="ctr"/>
+          <a:lstStyle/>
+          <a:p>
+            <a:pPr algn="ctr"/>
+            <a:endParaRPr lang="de-DE"/>
+          </a:p>
+        </p:txBody>
+      </p:sp>
+      <p:sp>
+        <p:nvSpPr>
+          <p:cNvPr id="67" name="Oval 66"/>
+          <p:cNvSpPr/>
+          <p:nvPr/>
+        </p:nvSpPr>
+        <p:spPr>
+          <a:xfrm>
+            <a:off x="1536049" y="791375"/>
+            <a:ext cx="122891" cy="122891"/>
+          </a:xfrm>
+          <a:prstGeom prst="ellipse">
+            <a:avLst/>
+          </a:prstGeom>
+        </p:spPr>
+        <p:style>
+          <a:lnRef idx="2">
+            <a:schemeClr val="accent1"/>
+          </a:lnRef>
+          <a:fillRef idx="1">
+            <a:schemeClr val="lt1"/>
+          </a:fillRef>
+          <a:effectRef idx="0">
+            <a:schemeClr val="accent1"/>
+          </a:effectRef>
+          <a:fontRef idx="minor">
+            <a:schemeClr val="dk1"/>
+          </a:fontRef>
+        </p:style>
+        <p:txBody>
+          <a:bodyPr rtlCol="0" anchor="ctr"/>
+          <a:lstStyle/>
+          <a:p>
+            <a:pPr algn="ctr"/>
+            <a:endParaRPr lang="de-DE"/>
+          </a:p>
+        </p:txBody>
+      </p:sp>
+      <p:sp>
+        <p:nvSpPr>
+          <p:cNvPr id="68" name="Oval 67"/>
+          <p:cNvSpPr/>
+          <p:nvPr/>
+        </p:nvSpPr>
+        <p:spPr>
+          <a:xfrm>
+            <a:off x="1091935" y="373789"/>
+            <a:ext cx="122891" cy="122891"/>
+          </a:xfrm>
+          <a:prstGeom prst="ellipse">
+            <a:avLst/>
+          </a:prstGeom>
+        </p:spPr>
+        <p:style>
+          <a:lnRef idx="2">
+            <a:schemeClr val="accent1"/>
+          </a:lnRef>
+          <a:fillRef idx="1">
+            <a:schemeClr val="lt1"/>
+          </a:fillRef>
+          <a:effectRef idx="0">
+            <a:schemeClr val="accent1"/>
+          </a:effectRef>
+          <a:fontRef idx="minor">
+            <a:schemeClr val="dk1"/>
+          </a:fontRef>
+        </p:style>
+        <p:txBody>
+          <a:bodyPr rtlCol="0" anchor="ctr"/>
+          <a:lstStyle/>
+          <a:p>
+            <a:pPr algn="ctr"/>
+            <a:endParaRPr lang="de-DE"/>
+          </a:p>
+        </p:txBody>
+      </p:sp>
+      <p:sp>
+        <p:nvSpPr>
+          <p:cNvPr id="69" name="Oval 68"/>
+          <p:cNvSpPr/>
+          <p:nvPr/>
+        </p:nvSpPr>
+        <p:spPr>
+          <a:xfrm>
+            <a:off x="1536049" y="373789"/>
+            <a:ext cx="122891" cy="122891"/>
+          </a:xfrm>
+          <a:prstGeom prst="ellipse">
+            <a:avLst/>
+          </a:prstGeom>
+        </p:spPr>
+        <p:style>
+          <a:lnRef idx="2">
+            <a:schemeClr val="accent1"/>
+          </a:lnRef>
+          <a:fillRef idx="1">
+            <a:schemeClr val="lt1"/>
+          </a:fillRef>
+          <a:effectRef idx="0">
+            <a:schemeClr val="accent1"/>
+          </a:effectRef>
+          <a:fontRef idx="minor">
+            <a:schemeClr val="dk1"/>
+          </a:fontRef>
+        </p:style>
+        <p:txBody>
+          <a:bodyPr rtlCol="0" anchor="ctr"/>
+          <a:lstStyle/>
+          <a:p>
+            <a:pPr algn="ctr"/>
+            <a:endParaRPr lang="de-DE"/>
+          </a:p>
+        </p:txBody>
+      </p:sp>
+    </p:spTree>
+    <p:extLst>
+      <p:ext uri="{BB962C8B-B14F-4D97-AF65-F5344CB8AC3E}">
+        <p14:creationId xmlns:p14="http://schemas.microsoft.com/office/powerpoint/2010/main" val="3633731269"/>
+      </p:ext>
+    </p:extLst>
+  </p:cSld>
+  <p:clrMapOvr>
+    <a:masterClrMapping/>
+  </p:clrMapOvr>
+</p:sld>
+</file>
+
+<file path=ppt/slides/slide7.xml><?xml version="1.0" encoding="utf-8"?>
+<p:sld xmlns:a="http://schemas.openxmlformats.org/drawingml/2006/main" xmlns:r="http://schemas.openxmlformats.org/officeDocument/2006/relationships" xmlns:p="http://schemas.openxmlformats.org/presentationml/2006/main">
+  <p:cSld>
+    <p:spTree>
+      <p:nvGrpSpPr>
+        <p:cNvPr id="1" name=""/>
+        <p:cNvGrpSpPr/>
+        <p:nvPr/>
+      </p:nvGrpSpPr>
+      <p:grpSpPr>
+        <a:xfrm>
+          <a:off x="0" y="0"/>
+          <a:ext cx="0" cy="0"/>
+          <a:chOff x="0" y="0"/>
+          <a:chExt cx="0" cy="0"/>
+        </a:xfrm>
+      </p:grpSpPr>
+      <p:sp>
+        <p:nvSpPr>
+          <p:cNvPr id="26" name="Oval 25"/>
+          <p:cNvSpPr/>
+          <p:nvPr/>
+        </p:nvSpPr>
+        <p:spPr>
+          <a:xfrm>
+            <a:off x="418241" y="817121"/>
+            <a:ext cx="122891" cy="122891"/>
+          </a:xfrm>
+          <a:prstGeom prst="ellipse">
+            <a:avLst/>
+          </a:prstGeom>
+        </p:spPr>
+        <p:style>
+          <a:lnRef idx="2">
+            <a:schemeClr val="accent1"/>
+          </a:lnRef>
+          <a:fillRef idx="1">
+            <a:schemeClr val="lt1"/>
+          </a:fillRef>
+          <a:effectRef idx="0">
+            <a:schemeClr val="accent1"/>
+          </a:effectRef>
+          <a:fontRef idx="minor">
+            <a:schemeClr val="dk1"/>
+          </a:fontRef>
+        </p:style>
+        <p:txBody>
+          <a:bodyPr rtlCol="0" anchor="ctr"/>
+          <a:lstStyle/>
+          <a:p>
+            <a:pPr algn="ctr"/>
+            <a:endParaRPr lang="de-DE"/>
+          </a:p>
+        </p:txBody>
+      </p:sp>
+      <p:sp>
+        <p:nvSpPr>
+          <p:cNvPr id="65" name="Oval 64"/>
+          <p:cNvSpPr/>
+          <p:nvPr/>
+        </p:nvSpPr>
+        <p:spPr>
+          <a:xfrm>
+            <a:off x="708235" y="210158"/>
+            <a:ext cx="122891" cy="122891"/>
+          </a:xfrm>
+          <a:prstGeom prst="ellipse">
+            <a:avLst/>
+          </a:prstGeom>
+        </p:spPr>
+        <p:style>
+          <a:lnRef idx="2">
+            <a:schemeClr val="accent1"/>
+          </a:lnRef>
+          <a:fillRef idx="1">
+            <a:schemeClr val="lt1"/>
+          </a:fillRef>
+          <a:effectRef idx="0">
+            <a:schemeClr val="accent1"/>
+          </a:effectRef>
+          <a:fontRef idx="minor">
+            <a:schemeClr val="dk1"/>
+          </a:fontRef>
+        </p:style>
+        <p:txBody>
+          <a:bodyPr rtlCol="0" anchor="ctr"/>
+          <a:lstStyle/>
+          <a:p>
+            <a:pPr algn="ctr"/>
+            <a:endParaRPr lang="de-DE"/>
+          </a:p>
+        </p:txBody>
+      </p:sp>
+      <p:sp>
+        <p:nvSpPr>
+          <p:cNvPr id="66" name="Oval 65"/>
+          <p:cNvSpPr/>
+          <p:nvPr/>
+        </p:nvSpPr>
+        <p:spPr>
+          <a:xfrm>
+            <a:off x="673363" y="940682"/>
+            <a:ext cx="122891" cy="122891"/>
+          </a:xfrm>
+          <a:prstGeom prst="ellipse">
+            <a:avLst/>
+          </a:prstGeom>
+        </p:spPr>
+        <p:style>
+          <a:lnRef idx="2">
+            <a:schemeClr val="accent1"/>
+          </a:lnRef>
+          <a:fillRef idx="1">
+            <a:schemeClr val="lt1"/>
+          </a:fillRef>
+          <a:effectRef idx="0">
+            <a:schemeClr val="accent1"/>
+          </a:effectRef>
+          <a:fontRef idx="minor">
+            <a:schemeClr val="dk1"/>
+          </a:fontRef>
+        </p:style>
+        <p:txBody>
+          <a:bodyPr rtlCol="0" anchor="ctr"/>
+          <a:lstStyle/>
+          <a:p>
+            <a:pPr algn="ctr"/>
+            <a:endParaRPr lang="de-DE"/>
+          </a:p>
+        </p:txBody>
+      </p:sp>
+      <p:sp>
+        <p:nvSpPr>
+          <p:cNvPr id="68" name="Oval 67"/>
+          <p:cNvSpPr/>
+          <p:nvPr/>
+        </p:nvSpPr>
+        <p:spPr>
+          <a:xfrm>
+            <a:off x="356795" y="448448"/>
+            <a:ext cx="122891" cy="122891"/>
+          </a:xfrm>
+          <a:prstGeom prst="ellipse">
+            <a:avLst/>
+          </a:prstGeom>
+        </p:spPr>
+        <p:style>
+          <a:lnRef idx="2">
+            <a:schemeClr val="accent1"/>
+          </a:lnRef>
+          <a:fillRef idx="1">
+            <a:schemeClr val="lt1"/>
+          </a:fillRef>
+          <a:effectRef idx="0">
+            <a:schemeClr val="accent1"/>
+          </a:effectRef>
+          <a:fontRef idx="minor">
+            <a:schemeClr val="dk1"/>
+          </a:fontRef>
+        </p:style>
+        <p:txBody>
+          <a:bodyPr rtlCol="0" anchor="ctr"/>
+          <a:lstStyle/>
+          <a:p>
+            <a:pPr algn="ctr"/>
+            <a:endParaRPr lang="de-DE"/>
+          </a:p>
+        </p:txBody>
+      </p:sp>
+      <p:sp>
+        <p:nvSpPr>
+          <p:cNvPr id="69" name="Oval 68"/>
+          <p:cNvSpPr/>
+          <p:nvPr/>
+        </p:nvSpPr>
+        <p:spPr>
+          <a:xfrm>
+            <a:off x="1044545" y="391586"/>
+            <a:ext cx="122891" cy="122891"/>
+          </a:xfrm>
+          <a:prstGeom prst="ellipse">
+            <a:avLst/>
+          </a:prstGeom>
+        </p:spPr>
+        <p:style>
+          <a:lnRef idx="2">
+            <a:schemeClr val="accent1"/>
+          </a:lnRef>
+          <a:fillRef idx="1">
+            <a:schemeClr val="lt1"/>
+          </a:fillRef>
+          <a:effectRef idx="0">
+            <a:schemeClr val="accent1"/>
+          </a:effectRef>
+          <a:fontRef idx="minor">
+            <a:schemeClr val="dk1"/>
+          </a:fontRef>
+        </p:style>
+        <p:txBody>
+          <a:bodyPr rtlCol="0" anchor="ctr"/>
+          <a:lstStyle/>
+          <a:p>
+            <a:pPr algn="ctr"/>
+            <a:endParaRPr lang="de-DE"/>
+          </a:p>
+        </p:txBody>
+      </p:sp>
+      <p:cxnSp>
+        <p:nvCxnSpPr>
+          <p:cNvPr id="3" name="Gerade Verbindung 2"/>
+          <p:cNvCxnSpPr>
+            <a:stCxn id="65" idx="5"/>
+            <a:endCxn id="69" idx="1"/>
+          </p:cNvCxnSpPr>
+          <p:nvPr/>
+        </p:nvCxnSpPr>
+        <p:spPr>
+          <a:xfrm>
+            <a:off x="813129" y="315052"/>
+            <a:ext cx="249413" cy="94531"/>
+          </a:xfrm>
+          <a:prstGeom prst="line">
+            <a:avLst/>
+          </a:prstGeom>
+        </p:spPr>
+        <p:style>
+          <a:lnRef idx="1">
+            <a:schemeClr val="accent1"/>
+          </a:lnRef>
+          <a:fillRef idx="0">
+            <a:schemeClr val="accent1"/>
+          </a:fillRef>
+          <a:effectRef idx="0">
+            <a:schemeClr val="accent1"/>
+          </a:effectRef>
+          <a:fontRef idx="minor">
+            <a:schemeClr val="tx1"/>
+          </a:fontRef>
+        </p:style>
+      </p:cxnSp>
+      <p:cxnSp>
+        <p:nvCxnSpPr>
+          <p:cNvPr id="29" name="Gerade Verbindung 28"/>
+          <p:cNvCxnSpPr>
+            <a:stCxn id="26" idx="6"/>
+            <a:endCxn id="66" idx="2"/>
+          </p:cNvCxnSpPr>
+          <p:nvPr/>
+        </p:nvCxnSpPr>
+        <p:spPr>
+          <a:xfrm>
+            <a:off x="541132" y="878567"/>
+            <a:ext cx="132231" cy="123561"/>
+          </a:xfrm>
+          <a:prstGeom prst="line">
+            <a:avLst/>
+          </a:prstGeom>
+        </p:spPr>
+        <p:style>
+          <a:lnRef idx="1">
+            <a:schemeClr val="accent1"/>
+          </a:lnRef>
+          <a:fillRef idx="0">
+            <a:schemeClr val="accent1"/>
+          </a:fillRef>
+          <a:effectRef idx="0">
+            <a:schemeClr val="accent1"/>
+          </a:effectRef>
+          <a:fontRef idx="minor">
+            <a:schemeClr val="tx1"/>
+          </a:fontRef>
+        </p:style>
+      </p:cxnSp>
+      <p:cxnSp>
+        <p:nvCxnSpPr>
+          <p:cNvPr id="31" name="Gerade Verbindung 30"/>
+          <p:cNvCxnSpPr>
+            <a:stCxn id="68" idx="4"/>
+            <a:endCxn id="26" idx="1"/>
+          </p:cNvCxnSpPr>
+          <p:nvPr/>
+        </p:nvCxnSpPr>
+        <p:spPr>
+          <a:xfrm>
+            <a:off x="418241" y="571339"/>
+            <a:ext cx="17997" cy="263779"/>
+          </a:xfrm>
+          <a:prstGeom prst="line">
+            <a:avLst/>
+          </a:prstGeom>
+        </p:spPr>
+        <p:style>
+          <a:lnRef idx="1">
+            <a:schemeClr val="accent1"/>
+          </a:lnRef>
+          <a:fillRef idx="0">
+            <a:schemeClr val="accent1"/>
+          </a:fillRef>
+          <a:effectRef idx="0">
+            <a:schemeClr val="accent1"/>
+          </a:effectRef>
+          <a:fontRef idx="minor">
+            <a:schemeClr val="tx1"/>
+          </a:fontRef>
+        </p:style>
+      </p:cxnSp>
+      <p:cxnSp>
+        <p:nvCxnSpPr>
+          <p:cNvPr id="34" name="Gerade Verbindung 33"/>
+          <p:cNvCxnSpPr>
+            <a:stCxn id="68" idx="7"/>
+            <a:endCxn id="65" idx="2"/>
+          </p:cNvCxnSpPr>
+          <p:nvPr/>
+        </p:nvCxnSpPr>
+        <p:spPr>
+          <a:xfrm flipV="1">
+            <a:off x="461689" y="271604"/>
+            <a:ext cx="246546" cy="194841"/>
+          </a:xfrm>
+          <a:prstGeom prst="line">
+            <a:avLst/>
+          </a:prstGeom>
+        </p:spPr>
+        <p:style>
+          <a:lnRef idx="1">
+            <a:schemeClr val="accent1"/>
+          </a:lnRef>
+          <a:fillRef idx="0">
+            <a:schemeClr val="accent1"/>
+          </a:fillRef>
+          <a:effectRef idx="0">
+            <a:schemeClr val="accent1"/>
+          </a:effectRef>
+          <a:fontRef idx="minor">
+            <a:schemeClr val="tx1"/>
+          </a:fontRef>
+        </p:style>
+      </p:cxnSp>
+      <p:sp>
+        <p:nvSpPr>
+          <p:cNvPr id="17" name="Textfeld 16"/>
+          <p:cNvSpPr txBox="1"/>
+          <p:nvPr/>
+        </p:nvSpPr>
+        <p:spPr>
+          <a:xfrm rot="17621266">
+            <a:off x="825098" y="427194"/>
+            <a:ext cx="359481" cy="369332"/>
+          </a:xfrm>
+          <a:prstGeom prst="rect">
+            <a:avLst/>
+          </a:prstGeom>
+          <a:noFill/>
+        </p:spPr>
+        <p:txBody>
+          <a:bodyPr wrap="none" rtlCol="0">
+            <a:spAutoFit/>
+          </a:bodyPr>
+          <a:lstStyle/>
+          <a:p>
+            <a:r>
+              <a:rPr lang="de-DE" dirty="0" smtClean="0"/>
+              <a:t>...</a:t>
+            </a:r>
+            <a:endParaRPr lang="de-DE" dirty="0"/>
+          </a:p>
+        </p:txBody>
+      </p:sp>
+      <p:sp>
+        <p:nvSpPr>
+          <p:cNvPr id="46" name="Oval 45"/>
+          <p:cNvSpPr/>
+          <p:nvPr/>
+        </p:nvSpPr>
+        <p:spPr>
+          <a:xfrm>
+            <a:off x="988429" y="743003"/>
+            <a:ext cx="122891" cy="122891"/>
+          </a:xfrm>
+          <a:prstGeom prst="ellipse">
+            <a:avLst/>
+          </a:prstGeom>
+        </p:spPr>
+        <p:style>
+          <a:lnRef idx="2">
+            <a:schemeClr val="accent1"/>
+          </a:lnRef>
+          <a:fillRef idx="1">
+            <a:schemeClr val="lt1"/>
+          </a:fillRef>
+          <a:effectRef idx="0">
+            <a:schemeClr val="accent1"/>
+          </a:effectRef>
+          <a:fontRef idx="minor">
+            <a:schemeClr val="dk1"/>
+          </a:fontRef>
+        </p:style>
+        <p:txBody>
+          <a:bodyPr rtlCol="0" anchor="ctr"/>
+          <a:lstStyle/>
+          <a:p>
+            <a:pPr algn="ctr"/>
+            <a:endParaRPr lang="de-DE"/>
+          </a:p>
+        </p:txBody>
+      </p:sp>
+      <p:sp>
+        <p:nvSpPr>
+          <p:cNvPr id="47" name="Textfeld 46"/>
+          <p:cNvSpPr txBox="1"/>
+          <p:nvPr/>
+        </p:nvSpPr>
+        <p:spPr>
+          <a:xfrm rot="18635818">
+            <a:off x="655246" y="693318"/>
+            <a:ext cx="359481" cy="369332"/>
+          </a:xfrm>
+          <a:prstGeom prst="rect">
+            <a:avLst/>
+          </a:prstGeom>
+          <a:noFill/>
+        </p:spPr>
+        <p:txBody>
+          <a:bodyPr wrap="none" rtlCol="0">
+            <a:spAutoFit/>
+          </a:bodyPr>
+          <a:lstStyle/>
+          <a:p>
+            <a:r>
+              <a:rPr lang="de-DE" dirty="0" smtClean="0"/>
+              <a:t>...</a:t>
+            </a:r>
+            <a:endParaRPr lang="de-DE" dirty="0"/>
+          </a:p>
+        </p:txBody>
+      </p:sp>
+      <p:sp>
+        <p:nvSpPr>
+          <p:cNvPr id="23" name="Textfeld 22"/>
+          <p:cNvSpPr txBox="1"/>
+          <p:nvPr/>
+        </p:nvSpPr>
+        <p:spPr>
+          <a:xfrm>
+            <a:off x="154516" y="342526"/>
+            <a:ext cx="287258" cy="276999"/>
+          </a:xfrm>
+          <a:prstGeom prst="rect">
+            <a:avLst/>
+          </a:prstGeom>
+          <a:noFill/>
+        </p:spPr>
+        <p:txBody>
+          <a:bodyPr wrap="none" rtlCol="0">
+            <a:spAutoFit/>
+          </a:bodyPr>
+          <a:lstStyle/>
+          <a:p>
+            <a:r>
+              <a:rPr lang="de-DE" sz="1200" dirty="0" smtClean="0"/>
+              <a:t>V</a:t>
+            </a:r>
+            <a:endParaRPr lang="de-DE" sz="1200" dirty="0"/>
+          </a:p>
+        </p:txBody>
+      </p:sp>
+      <p:sp>
+        <p:nvSpPr>
+          <p:cNvPr id="49" name="Textfeld 48"/>
+          <p:cNvSpPr txBox="1"/>
+          <p:nvPr/>
+        </p:nvSpPr>
+        <p:spPr>
+          <a:xfrm>
+            <a:off x="373262" y="96892"/>
+            <a:ext cx="314534" cy="276999"/>
+          </a:xfrm>
+          <a:prstGeom prst="rect">
+            <a:avLst/>
+          </a:prstGeom>
+          <a:noFill/>
+        </p:spPr>
+        <p:txBody>
+          <a:bodyPr wrap="none" rtlCol="0">
+            <a:spAutoFit/>
+          </a:bodyPr>
+          <a:lstStyle/>
+          <a:p>
+            <a:r>
+              <a:rPr lang="de-DE" sz="1200" dirty="0" err="1" smtClean="0"/>
+              <a:t>e</a:t>
+            </a:r>
+            <a:r>
+              <a:rPr lang="de-DE" sz="1200" baseline="-25000" dirty="0" err="1" smtClean="0"/>
+              <a:t>k</a:t>
+            </a:r>
+            <a:endParaRPr lang="de-DE" sz="1200" baseline="-25000" dirty="0"/>
+          </a:p>
+        </p:txBody>
+      </p:sp>
+      <p:sp>
+        <p:nvSpPr>
+          <p:cNvPr id="50" name="Textfeld 49"/>
+          <p:cNvSpPr txBox="1"/>
+          <p:nvPr/>
+        </p:nvSpPr>
+        <p:spPr>
+          <a:xfrm>
+            <a:off x="165152" y="541510"/>
+            <a:ext cx="314534" cy="276999"/>
+          </a:xfrm>
+          <a:prstGeom prst="rect">
+            <a:avLst/>
+          </a:prstGeom>
+          <a:noFill/>
+        </p:spPr>
+        <p:txBody>
+          <a:bodyPr wrap="none" rtlCol="0">
+            <a:spAutoFit/>
+          </a:bodyPr>
+          <a:lstStyle/>
+          <a:p>
+            <a:r>
+              <a:rPr lang="de-DE" sz="1200" dirty="0" smtClean="0"/>
+              <a:t>e</a:t>
+            </a:r>
+            <a:r>
+              <a:rPr lang="de-DE" sz="1200" baseline="-25000" dirty="0" smtClean="0"/>
+              <a:t>1</a:t>
+            </a:r>
+            <a:endParaRPr lang="de-DE" sz="1200" baseline="-25000" dirty="0"/>
+          </a:p>
+        </p:txBody>
+      </p:sp>
+      <p:sp>
+        <p:nvSpPr>
+          <p:cNvPr id="52" name="Textfeld 51"/>
+          <p:cNvSpPr txBox="1"/>
+          <p:nvPr/>
+        </p:nvSpPr>
+        <p:spPr>
+          <a:xfrm>
+            <a:off x="336508" y="892927"/>
+            <a:ext cx="314534" cy="276999"/>
+          </a:xfrm>
+          <a:prstGeom prst="rect">
+            <a:avLst/>
+          </a:prstGeom>
+          <a:noFill/>
+        </p:spPr>
+        <p:txBody>
+          <a:bodyPr wrap="none" rtlCol="0">
+            <a:spAutoFit/>
+          </a:bodyPr>
+          <a:lstStyle/>
+          <a:p>
+            <a:r>
+              <a:rPr lang="de-DE" sz="1200" dirty="0" smtClean="0"/>
+              <a:t>e</a:t>
+            </a:r>
+            <a:r>
+              <a:rPr lang="de-DE" sz="1200" baseline="-25000" dirty="0" smtClean="0"/>
+              <a:t>2</a:t>
+            </a:r>
+            <a:endParaRPr lang="de-DE" sz="1200" baseline="-25000" dirty="0"/>
+          </a:p>
+        </p:txBody>
+      </p:sp>
+    </p:spTree>
+    <p:extLst>
+      <p:ext uri="{BB962C8B-B14F-4D97-AF65-F5344CB8AC3E}">
+        <p14:creationId xmlns:p14="http://schemas.microsoft.com/office/powerpoint/2010/main" val="2864844248"/>
       </p:ext>
     </p:extLst>
   </p:cSld>
